--- a/Devoir2/MEC8211_Devoir2.pptx
+++ b/Devoir2/MEC8211_Devoir2.pptx
@@ -5,10 +5,10 @@
     <p:sldMasterId id="2147483696" r:id="rId1"/>
   </p:sldMasterIdLst>
   <p:notesMasterIdLst>
-    <p:notesMasterId r:id="rId7"/>
+    <p:notesMasterId r:id="rId10"/>
   </p:notesMasterIdLst>
   <p:handoutMasterIdLst>
-    <p:handoutMasterId r:id="rId8"/>
+    <p:handoutMasterId r:id="rId11"/>
   </p:handoutMasterIdLst>
   <p:sldIdLst>
     <p:sldId id="274" r:id="rId2"/>
@@ -16,6 +16,9 @@
     <p:sldId id="287" r:id="rId4"/>
     <p:sldId id="288" r:id="rId5"/>
     <p:sldId id="289" r:id="rId6"/>
+    <p:sldId id="290" r:id="rId7"/>
+    <p:sldId id="291" r:id="rId8"/>
+    <p:sldId id="292" r:id="rId9"/>
   </p:sldIdLst>
   <p:sldSz cx="12192000" cy="6858000"/>
   <p:notesSz cx="7315200" cy="12344400"/>
@@ -241,7 +244,7 @@
             <a:fld id="{49EB105C-35EA-1640-97C3-38A1995AF5B8}" type="datetimeFigureOut">
               <a:rPr lang="fr-FR" smtClean="0"/>
               <a:pPr/>
-              <a:t>17/10/2022</a:t>
+              <a:t>27/10/2022</a:t>
             </a:fld>
             <a:endParaRPr lang="fr-FR"/>
           </a:p>
@@ -408,7 +411,7 @@
             <a:fld id="{21235F4D-6435-B546-B0DF-5E663FE2CEE9}" type="datetimeFigureOut">
               <a:rPr lang="fr-FR" smtClean="0"/>
               <a:pPr/>
-              <a:t>17/10/2022</a:t>
+              <a:t>27/10/2022</a:t>
             </a:fld>
             <a:endParaRPr lang="fr-FR"/>
           </a:p>
@@ -839,7 +842,7 @@
             <a:fld id="{3DC4E473-BC1F-6949-AA66-34BC94CEB966}" type="datetime1">
               <a:rPr lang="fr-CA" smtClean="0"/>
               <a:pPr/>
-              <a:t>2022-10-17</a:t>
+              <a:t>2022-10-27</a:t>
             </a:fld>
             <a:endParaRPr lang="fr-FR"/>
           </a:p>
@@ -1009,7 +1012,7 @@
             <a:fld id="{C8F6428A-8FA5-E440-922D-145DAD6BEAE5}" type="datetime1">
               <a:rPr lang="fr-CA" smtClean="0"/>
               <a:pPr/>
-              <a:t>2022-10-17</a:t>
+              <a:t>2022-10-27</a:t>
             </a:fld>
             <a:endParaRPr lang="fr-FR"/>
           </a:p>
@@ -1106,7 +1109,7 @@
             <a:fld id="{C9A57072-DB21-074C-BBCE-35D96DEDE97F}" type="datetime1">
               <a:rPr lang="fr-CA" smtClean="0"/>
               <a:pPr/>
-              <a:t>2022-10-17</a:t>
+              <a:t>2022-10-27</a:t>
             </a:fld>
             <a:endParaRPr lang="fr-FR"/>
           </a:p>
@@ -1247,7 +1250,7 @@
             <a:fld id="{A7E441BF-9668-8D41-935A-D4F7D4FB57BA}" type="datetime1">
               <a:rPr lang="fr-CA" smtClean="0"/>
               <a:pPr/>
-              <a:t>2022-10-17</a:t>
+              <a:t>2022-10-27</a:t>
             </a:fld>
             <a:endParaRPr lang="fr-FR" dirty="0"/>
           </a:p>
@@ -1433,7 +1436,7 @@
             <a:fld id="{F0528F72-07FD-504F-BF9E-F9FA15D5E721}" type="datetime1">
               <a:rPr lang="fr-CA" smtClean="0"/>
               <a:pPr/>
-              <a:t>2022-10-17</a:t>
+              <a:t>2022-10-27</a:t>
             </a:fld>
             <a:endParaRPr lang="fr-FR"/>
           </a:p>
@@ -1957,19 +1960,7 @@
           <a:p>
             <a:r>
               <a:rPr lang="fr-CA" u="sng" cap="all" dirty="0" smtClean="0"/>
-              <a:t>DEVOIR </a:t>
-            </a:r>
-            <a:r>
-              <a:rPr lang="fr-CA" u="sng" cap="all" dirty="0" smtClean="0"/>
-              <a:t>2 </a:t>
-            </a:r>
-            <a:r>
-              <a:rPr lang="fr-CA" u="sng" cap="all" dirty="0" smtClean="0"/>
-              <a:t>– VÉRIFICATION DE </a:t>
-            </a:r>
-            <a:r>
-              <a:rPr lang="fr-CA" u="sng" cap="all" dirty="0" smtClean="0"/>
-              <a:t>CODE - MMS</a:t>
+              <a:t>DEVOIR 2 – VÉRIFICATION DE CODE - MMS</a:t>
             </a:r>
             <a:endParaRPr lang="en-US" u="sng" cap="all" dirty="0"/>
           </a:p>
@@ -2408,11 +2399,7 @@
           <a:p>
             <a:r>
               <a:rPr lang="fr-CA" cap="all" dirty="0" smtClean="0"/>
-              <a:t>A) </a:t>
-            </a:r>
-            <a:r>
-              <a:rPr lang="fr-CA" cap="all" dirty="0" smtClean="0"/>
-              <a:t>COMPARAISON CODE À CODE</a:t>
+              <a:t>A) COMPARAISON CODE À CODE</a:t>
             </a:r>
             <a:endParaRPr lang="fr-CA" cap="all" dirty="0"/>
           </a:p>
@@ -2928,11 +2915,7 @@
             <a:pPr marL="342900" indent="-342900"/>
             <a:r>
               <a:rPr lang="fr-CA" b="1" u="sng" dirty="0" smtClean="0"/>
-              <a:t>Étape </a:t>
-            </a:r>
-            <a:r>
-              <a:rPr lang="fr-CA" b="1" u="sng" dirty="0" smtClean="0"/>
-              <a:t>2</a:t>
+              <a:t>Étape 2</a:t>
             </a:r>
             <a:r>
               <a:rPr lang="fr-CA" dirty="0" smtClean="0"/>
@@ -2945,7 +2928,10 @@
           </a:p>
           <a:p>
             <a:pPr marL="342900" indent="-342900"/>
-            <a:endParaRPr lang="fr-CA" dirty="0" smtClean="0"/>
+            <a:r>
+              <a:rPr lang="fr-CA" dirty="0" smtClean="0"/>
+              <a:t>						        où		</a:t>
+            </a:r>
           </a:p>
           <a:p>
             <a:pPr marL="342900" indent="-342900"/>
@@ -2953,10 +2939,6 @@
           </a:p>
           <a:p>
             <a:pPr marL="342900" indent="-342900"/>
-            <a:endParaRPr lang="fr-CA" dirty="0" smtClean="0"/>
-          </a:p>
-          <a:p>
-            <a:pPr marL="342900" indent="-342900"/>
             <a:r>
               <a:rPr lang="fr-CA" b="1" dirty="0" smtClean="0"/>
               <a:t>		</a:t>
@@ -2966,14 +2948,22 @@
             <a:pPr marL="342900" indent="-342900"/>
             <a:r>
               <a:rPr lang="fr-CA" b="1" dirty="0" smtClean="0"/>
-              <a:t>	</a:t>
-            </a:r>
+              <a:t>		</a:t>
+            </a:r>
+            <a:endParaRPr lang="fr-CA" b="1" dirty="0" smtClean="0"/>
+          </a:p>
+          <a:p>
+            <a:pPr marL="342900" indent="-342900"/>
             <a:r>
               <a:rPr lang="fr-CA" b="1" dirty="0" smtClean="0"/>
               <a:t>	</a:t>
             </a:r>
             <a:r>
               <a:rPr lang="fr-CA" b="1" dirty="0" smtClean="0"/>
+              <a:t>	</a:t>
+            </a:r>
+            <a:r>
+              <a:rPr lang="fr-CA" b="1" dirty="0" smtClean="0"/>
               <a:t>Dirichlet</a:t>
             </a:r>
             <a:r>
@@ -2996,15 +2986,7 @@
             <a:pPr marL="342900" indent="-342900"/>
             <a:r>
               <a:rPr lang="fr-CA" b="1" dirty="0" smtClean="0"/>
-              <a:t>	</a:t>
-            </a:r>
-            <a:r>
-              <a:rPr lang="fr-CA" b="1" dirty="0" smtClean="0"/>
-              <a:t>	</a:t>
-            </a:r>
-            <a:r>
-              <a:rPr lang="fr-CA" b="1" dirty="0" smtClean="0"/>
-              <a:t>Neumann</a:t>
+              <a:t>		Neumann</a:t>
             </a:r>
             <a:r>
               <a:rPr lang="fr-CA" dirty="0" smtClean="0"/>
@@ -3019,11 +3001,7 @@
             <a:pPr marL="342900" indent="-342900"/>
             <a:r>
               <a:rPr lang="fr-CA" dirty="0" smtClean="0"/>
-              <a:t>	</a:t>
-            </a:r>
-            <a:r>
-              <a:rPr lang="fr-CA" dirty="0" smtClean="0"/>
-              <a:t>	</a:t>
+              <a:t>		</a:t>
             </a:r>
             <a:r>
               <a:rPr lang="fr-CA" b="1" dirty="0" smtClean="0"/>
@@ -3106,12 +3084,12 @@
           <p:nvPr/>
         </p:nvGraphicFramePr>
         <p:xfrm>
-          <a:off x="1536700" y="3267075"/>
-          <a:ext cx="3482975" cy="962025"/>
+          <a:off x="1616075" y="3116263"/>
+          <a:ext cx="4000500" cy="1265237"/>
         </p:xfrm>
         <a:graphic>
           <a:graphicData uri="http://schemas.openxmlformats.org/presentationml/2006/ole">
-            <p:oleObj spid="_x0000_s21509" name="Equation" r:id="rId6" imgW="2476440" imgH="685800" progId="Equation.DSMT4">
+            <p:oleObj spid="_x0000_s21509" name="Equation" r:id="rId6" imgW="2844720" imgH="901440" progId="Equation.DSMT4">
               <p:embed/>
             </p:oleObj>
           </a:graphicData>
@@ -3126,7 +3104,7 @@
           <p:nvPr/>
         </p:nvGraphicFramePr>
         <p:xfrm>
-          <a:off x="2632075" y="4411980"/>
+          <a:off x="2632075" y="4389120"/>
           <a:ext cx="1498600" cy="409575"/>
         </p:xfrm>
         <a:graphic>
@@ -3177,6 +3155,591 @@
           </a:graphicData>
         </a:graphic>
       </p:graphicFrame>
+      <p:graphicFrame>
+        <p:nvGraphicFramePr>
+          <p:cNvPr id="21516" name="Object 12"/>
+          <p:cNvGraphicFramePr>
+            <a:graphicFrameLocks noChangeAspect="1"/>
+          </p:cNvGraphicFramePr>
+          <p:nvPr/>
+        </p:nvGraphicFramePr>
+        <p:xfrm>
+          <a:off x="6132512" y="3161030"/>
+          <a:ext cx="4497388" cy="868363"/>
+        </p:xfrm>
+        <a:graphic>
+          <a:graphicData uri="http://schemas.openxmlformats.org/presentationml/2006/ole">
+            <p:oleObj spid="_x0000_s21516" name="Equation" r:id="rId10" imgW="3200400" imgH="622080" progId="Equation.DSMT4">
+              <p:embed/>
+            </p:oleObj>
+          </a:graphicData>
+        </a:graphic>
+      </p:graphicFrame>
+      <p:sp>
+        <p:nvSpPr>
+          <p:cNvPr id="16" name="Rectangle à coins arrondis 15"/>
+          <p:cNvSpPr/>
+          <p:nvPr/>
+        </p:nvSpPr>
+        <p:spPr>
+          <a:xfrm>
+            <a:off x="6132512" y="4137660"/>
+            <a:ext cx="4687888" cy="2244404"/>
+          </a:xfrm>
+          <a:prstGeom prst="roundRect">
+            <a:avLst/>
+          </a:prstGeom>
+          <a:noFill/>
+          <a:ln>
+            <a:solidFill>
+              <a:srgbClr val="FF0000"/>
+            </a:solidFill>
+          </a:ln>
+        </p:spPr>
+        <p:style>
+          <a:lnRef idx="2">
+            <a:schemeClr val="accent1">
+              <a:shade val="50000"/>
+            </a:schemeClr>
+          </a:lnRef>
+          <a:fillRef idx="1">
+            <a:schemeClr val="accent1"/>
+          </a:fillRef>
+          <a:effectRef idx="0">
+            <a:schemeClr val="accent1"/>
+          </a:effectRef>
+          <a:fontRef idx="minor">
+            <a:schemeClr val="lt1"/>
+          </a:fontRef>
+        </p:style>
+        <p:txBody>
+          <a:bodyPr rtlCol="0" anchor="ctr"/>
+          <a:lstStyle/>
+          <a:p>
+            <a:pPr>
+              <a:buFont typeface="Arial" pitchFamily="34" charset="0"/>
+              <a:buChar char="•"/>
+            </a:pPr>
+            <a:r>
+              <a:rPr lang="en-US" sz="1400" i="1" dirty="0" smtClean="0">
+                <a:solidFill>
+                  <a:srgbClr val="FF0000"/>
+                </a:solidFill>
+              </a:rPr>
+              <a:t> C</a:t>
+            </a:r>
+            <a:r>
+              <a:rPr lang="en-US" sz="1000" i="1" dirty="0" smtClean="0">
+                <a:solidFill>
+                  <a:srgbClr val="FF0000"/>
+                </a:solidFill>
+              </a:rPr>
+              <a:t>0</a:t>
+            </a:r>
+            <a:r>
+              <a:rPr lang="en-US" sz="1400" i="1" dirty="0" smtClean="0">
+                <a:solidFill>
+                  <a:srgbClr val="FF0000"/>
+                </a:solidFill>
+              </a:rPr>
+              <a:t> et t</a:t>
+            </a:r>
+            <a:r>
+              <a:rPr lang="en-US" sz="1000" i="1" dirty="0" smtClean="0">
+                <a:solidFill>
+                  <a:srgbClr val="FF0000"/>
+                </a:solidFill>
+              </a:rPr>
+              <a:t>0</a:t>
+            </a:r>
+            <a:r>
+              <a:rPr lang="en-US" sz="1400" i="1" dirty="0" smtClean="0">
+                <a:solidFill>
+                  <a:srgbClr val="FF0000"/>
+                </a:solidFill>
+              </a:rPr>
+              <a:t> </a:t>
+            </a:r>
+            <a:r>
+              <a:rPr lang="en-US" sz="1400" dirty="0" err="1" smtClean="0">
+                <a:solidFill>
+                  <a:srgbClr val="FF0000"/>
+                </a:solidFill>
+              </a:rPr>
+              <a:t>permettent</a:t>
+            </a:r>
+            <a:r>
+              <a:rPr lang="en-US" sz="1400" dirty="0" smtClean="0">
+                <a:solidFill>
+                  <a:srgbClr val="FF0000"/>
+                </a:solidFill>
+              </a:rPr>
+              <a:t> </a:t>
+            </a:r>
+            <a:r>
+              <a:rPr lang="en-US" sz="1400" dirty="0" err="1" smtClean="0">
+                <a:solidFill>
+                  <a:srgbClr val="FF0000"/>
+                </a:solidFill>
+              </a:rPr>
+              <a:t>d’obtenir</a:t>
+            </a:r>
+            <a:r>
+              <a:rPr lang="en-US" sz="1400" dirty="0" smtClean="0">
+                <a:solidFill>
+                  <a:srgbClr val="FF0000"/>
+                </a:solidFill>
+              </a:rPr>
+              <a:t> les dimensions </a:t>
+            </a:r>
+            <a:r>
+              <a:rPr lang="en-US" sz="1400" dirty="0" err="1" smtClean="0">
+                <a:solidFill>
+                  <a:srgbClr val="FF0000"/>
+                </a:solidFill>
+              </a:rPr>
+              <a:t>appropriées</a:t>
+            </a:r>
+            <a:r>
+              <a:rPr lang="en-US" sz="1400" dirty="0" smtClean="0">
+                <a:solidFill>
+                  <a:srgbClr val="FF0000"/>
+                </a:solidFill>
+              </a:rPr>
+              <a:t>.</a:t>
+            </a:r>
+          </a:p>
+          <a:p>
+            <a:pPr>
+              <a:buFont typeface="Arial" pitchFamily="34" charset="0"/>
+              <a:buChar char="•"/>
+            </a:pPr>
+            <a:endParaRPr lang="en-US" sz="1400" dirty="0" smtClean="0">
+              <a:solidFill>
+                <a:srgbClr val="FF0000"/>
+              </a:solidFill>
+            </a:endParaRPr>
+          </a:p>
+          <a:p>
+            <a:pPr>
+              <a:buFont typeface="Arial" pitchFamily="34" charset="0"/>
+              <a:buChar char="•"/>
+            </a:pPr>
+            <a:r>
+              <a:rPr lang="en-US" sz="1400" dirty="0" smtClean="0">
+                <a:solidFill>
+                  <a:srgbClr val="FF0000"/>
+                </a:solidFill>
+              </a:rPr>
+              <a:t> La </a:t>
+            </a:r>
+            <a:r>
+              <a:rPr lang="en-US" sz="1400" dirty="0" err="1" smtClean="0">
+                <a:solidFill>
+                  <a:srgbClr val="FF0000"/>
+                </a:solidFill>
+              </a:rPr>
+              <a:t>fonction</a:t>
+            </a:r>
+            <a:r>
+              <a:rPr lang="en-US" sz="1400" dirty="0" smtClean="0">
+                <a:solidFill>
+                  <a:srgbClr val="FF0000"/>
+                </a:solidFill>
+              </a:rPr>
+              <a:t> </a:t>
+            </a:r>
+            <a:r>
+              <a:rPr lang="en-US" sz="1400" b="1" i="1" dirty="0" err="1" smtClean="0">
+                <a:solidFill>
+                  <a:srgbClr val="FF0000"/>
+                </a:solidFill>
+              </a:rPr>
+              <a:t>cos</a:t>
+            </a:r>
+            <a:r>
+              <a:rPr lang="en-US" sz="1400" dirty="0" smtClean="0">
+                <a:solidFill>
+                  <a:srgbClr val="FF0000"/>
+                </a:solidFill>
+              </a:rPr>
+              <a:t> </a:t>
+            </a:r>
+            <a:r>
+              <a:rPr lang="en-US" sz="1400" dirty="0" err="1" smtClean="0">
+                <a:solidFill>
+                  <a:srgbClr val="FF0000"/>
+                </a:solidFill>
+              </a:rPr>
+              <a:t>facilite</a:t>
+            </a:r>
+            <a:r>
+              <a:rPr lang="en-US" sz="1400" dirty="0" smtClean="0">
+                <a:solidFill>
+                  <a:srgbClr val="FF0000"/>
+                </a:solidFill>
+              </a:rPr>
+              <a:t> </a:t>
+            </a:r>
+            <a:r>
+              <a:rPr lang="en-US" sz="1400" dirty="0" err="1" smtClean="0">
+                <a:solidFill>
+                  <a:srgbClr val="FF0000"/>
+                </a:solidFill>
+              </a:rPr>
+              <a:t>l’imposition</a:t>
+            </a:r>
+            <a:r>
+              <a:rPr lang="en-US" sz="1400" dirty="0" smtClean="0">
+                <a:solidFill>
+                  <a:srgbClr val="FF0000"/>
+                </a:solidFill>
+              </a:rPr>
+              <a:t> de conditions </a:t>
+            </a:r>
+            <a:r>
+              <a:rPr lang="en-US" sz="1400" dirty="0" err="1" smtClean="0">
+                <a:solidFill>
+                  <a:srgbClr val="FF0000"/>
+                </a:solidFill>
+              </a:rPr>
+              <a:t>frontières</a:t>
+            </a:r>
+            <a:r>
+              <a:rPr lang="en-US" sz="1400" dirty="0" smtClean="0">
+                <a:solidFill>
+                  <a:srgbClr val="FF0000"/>
+                </a:solidFill>
+              </a:rPr>
+              <a:t> de type </a:t>
+            </a:r>
+            <a:r>
+              <a:rPr lang="en-US" sz="1400" dirty="0" err="1" smtClean="0">
+                <a:solidFill>
+                  <a:srgbClr val="FF0000"/>
+                </a:solidFill>
+              </a:rPr>
+              <a:t>Dirichlet</a:t>
+            </a:r>
+            <a:r>
+              <a:rPr lang="en-US" sz="1400" dirty="0" smtClean="0">
+                <a:solidFill>
+                  <a:srgbClr val="FF0000"/>
+                </a:solidFill>
+              </a:rPr>
+              <a:t> (</a:t>
+            </a:r>
+            <a:r>
+              <a:rPr lang="en-US" sz="1400" dirty="0" err="1" smtClean="0">
+                <a:solidFill>
+                  <a:srgbClr val="FF0000"/>
+                </a:solidFill>
+              </a:rPr>
+              <a:t>nulles</a:t>
+            </a:r>
+            <a:r>
+              <a:rPr lang="en-US" sz="1400" dirty="0" smtClean="0">
+                <a:solidFill>
+                  <a:srgbClr val="FF0000"/>
+                </a:solidFill>
+              </a:rPr>
+              <a:t>) et Neumann pour </a:t>
+            </a:r>
+            <a:r>
+              <a:rPr lang="en-US" sz="1400" dirty="0" err="1" smtClean="0">
+                <a:solidFill>
+                  <a:srgbClr val="FF0000"/>
+                </a:solidFill>
+              </a:rPr>
+              <a:t>toutes</a:t>
+            </a:r>
+            <a:r>
+              <a:rPr lang="en-US" sz="1400" dirty="0" smtClean="0">
+                <a:solidFill>
+                  <a:srgbClr val="FF0000"/>
+                </a:solidFill>
+              </a:rPr>
+              <a:t> les </a:t>
+            </a:r>
+            <a:r>
+              <a:rPr lang="en-US" sz="1400" dirty="0" err="1" smtClean="0">
+                <a:solidFill>
+                  <a:srgbClr val="FF0000"/>
+                </a:solidFill>
+              </a:rPr>
+              <a:t>valeurs</a:t>
+            </a:r>
+            <a:r>
+              <a:rPr lang="en-US" sz="1400" dirty="0" smtClean="0">
+                <a:solidFill>
+                  <a:srgbClr val="FF0000"/>
+                </a:solidFill>
+              </a:rPr>
+              <a:t> de </a:t>
+            </a:r>
+            <a:r>
+              <a:rPr lang="en-US" sz="1400" i="1" dirty="0" smtClean="0">
+                <a:solidFill>
+                  <a:srgbClr val="FF0000"/>
+                </a:solidFill>
+              </a:rPr>
+              <a:t>t</a:t>
+            </a:r>
+            <a:r>
+              <a:rPr lang="en-US" sz="1400" dirty="0" smtClean="0">
+                <a:solidFill>
+                  <a:srgbClr val="FF0000"/>
+                </a:solidFill>
+              </a:rPr>
+              <a:t>.</a:t>
+            </a:r>
+          </a:p>
+          <a:p>
+            <a:pPr>
+              <a:buFont typeface="Arial" pitchFamily="34" charset="0"/>
+              <a:buChar char="•"/>
+            </a:pPr>
+            <a:endParaRPr lang="en-US" sz="1400" dirty="0" smtClean="0">
+              <a:solidFill>
+                <a:srgbClr val="FF0000"/>
+              </a:solidFill>
+            </a:endParaRPr>
+          </a:p>
+          <a:p>
+            <a:pPr>
+              <a:buFont typeface="Arial" pitchFamily="34" charset="0"/>
+              <a:buChar char="•"/>
+            </a:pPr>
+            <a:r>
+              <a:rPr lang="en-US" sz="1400" dirty="0" smtClean="0">
+                <a:solidFill>
+                  <a:srgbClr val="FF0000"/>
+                </a:solidFill>
+              </a:rPr>
+              <a:t> La </a:t>
+            </a:r>
+            <a:r>
+              <a:rPr lang="en-US" sz="1400" dirty="0" err="1" smtClean="0">
+                <a:solidFill>
+                  <a:srgbClr val="FF0000"/>
+                </a:solidFill>
+              </a:rPr>
+              <a:t>fonction</a:t>
+            </a:r>
+            <a:r>
+              <a:rPr lang="en-US" sz="1400" dirty="0" smtClean="0">
+                <a:solidFill>
+                  <a:srgbClr val="FF0000"/>
+                </a:solidFill>
+              </a:rPr>
+              <a:t> </a:t>
+            </a:r>
+            <a:r>
+              <a:rPr lang="en-US" sz="1400" i="1" dirty="0" smtClean="0">
+                <a:solidFill>
+                  <a:srgbClr val="FF0000"/>
+                </a:solidFill>
+              </a:rPr>
+              <a:t>f(t)</a:t>
+            </a:r>
+            <a:r>
+              <a:rPr lang="en-US" sz="1400" dirty="0" smtClean="0">
+                <a:solidFill>
+                  <a:srgbClr val="FF0000"/>
+                </a:solidFill>
+              </a:rPr>
+              <a:t> </a:t>
+            </a:r>
+            <a:r>
+              <a:rPr lang="en-US" sz="1400" dirty="0" err="1" smtClean="0">
+                <a:solidFill>
+                  <a:srgbClr val="FF0000"/>
+                </a:solidFill>
+              </a:rPr>
+              <a:t>est</a:t>
+            </a:r>
+            <a:r>
+              <a:rPr lang="en-US" sz="1400" dirty="0" smtClean="0">
+                <a:solidFill>
+                  <a:srgbClr val="FF0000"/>
+                </a:solidFill>
+              </a:rPr>
+              <a:t> </a:t>
+            </a:r>
+            <a:r>
+              <a:rPr lang="en-US" sz="1400" dirty="0" err="1" smtClean="0">
+                <a:solidFill>
+                  <a:srgbClr val="FF0000"/>
+                </a:solidFill>
+              </a:rPr>
+              <a:t>choisie</a:t>
+            </a:r>
+            <a:r>
+              <a:rPr lang="en-US" sz="1400" dirty="0" smtClean="0">
+                <a:solidFill>
+                  <a:srgbClr val="FF0000"/>
+                </a:solidFill>
+              </a:rPr>
+              <a:t> </a:t>
+            </a:r>
+            <a:r>
+              <a:rPr lang="en-US" sz="1400" dirty="0" err="1" smtClean="0">
+                <a:solidFill>
+                  <a:srgbClr val="FF0000"/>
+                </a:solidFill>
+              </a:rPr>
+              <a:t>afin</a:t>
+            </a:r>
+            <a:r>
+              <a:rPr lang="en-US" sz="1400" dirty="0" smtClean="0">
+                <a:solidFill>
+                  <a:srgbClr val="FF0000"/>
+                </a:solidFill>
+              </a:rPr>
+              <a:t> de </a:t>
+            </a:r>
+            <a:r>
+              <a:rPr lang="en-US" sz="1400" dirty="0" err="1" smtClean="0">
+                <a:solidFill>
+                  <a:srgbClr val="FF0000"/>
+                </a:solidFill>
+              </a:rPr>
+              <a:t>permettre</a:t>
+            </a:r>
+            <a:r>
+              <a:rPr lang="en-US" sz="1400" dirty="0" smtClean="0">
+                <a:solidFill>
+                  <a:srgbClr val="FF0000"/>
+                </a:solidFill>
+              </a:rPr>
+              <a:t> un régime </a:t>
+            </a:r>
+            <a:r>
+              <a:rPr lang="en-US" sz="1400" dirty="0" err="1" smtClean="0">
+                <a:solidFill>
+                  <a:srgbClr val="FF0000"/>
+                </a:solidFill>
+              </a:rPr>
+              <a:t>stationnaire</a:t>
+            </a:r>
+            <a:r>
+              <a:rPr lang="en-US" sz="1400" dirty="0" smtClean="0">
+                <a:solidFill>
+                  <a:srgbClr val="FF0000"/>
+                </a:solidFill>
+              </a:rPr>
+              <a:t> </a:t>
+            </a:r>
+            <a:r>
+              <a:rPr lang="en-US" sz="1400" dirty="0" err="1" smtClean="0">
+                <a:solidFill>
+                  <a:srgbClr val="FF0000"/>
+                </a:solidFill>
+              </a:rPr>
+              <a:t>lorsque</a:t>
+            </a:r>
+            <a:r>
+              <a:rPr lang="en-US" sz="1400" dirty="0" smtClean="0">
+                <a:solidFill>
+                  <a:srgbClr val="FF0000"/>
+                </a:solidFill>
+              </a:rPr>
+              <a:t> t</a:t>
+            </a:r>
+            <a:r>
+              <a:rPr lang="en-US" sz="1400" dirty="0" smtClean="0">
+                <a:solidFill>
+                  <a:srgbClr val="FF0000"/>
+                </a:solidFill>
+                <a:sym typeface="Symbol"/>
+              </a:rPr>
+              <a:t></a:t>
+            </a:r>
+            <a:r>
+              <a:rPr lang="en-US" sz="1400" dirty="0" smtClean="0">
+                <a:solidFill>
+                  <a:srgbClr val="FF0000"/>
+                </a:solidFill>
+                <a:latin typeface="Calibri"/>
+                <a:cs typeface="Calibri"/>
+                <a:sym typeface="Symbol"/>
+              </a:rPr>
+              <a:t>∞ et des conditions </a:t>
+            </a:r>
+            <a:r>
+              <a:rPr lang="en-US" sz="1400" dirty="0" err="1" smtClean="0">
+                <a:solidFill>
+                  <a:srgbClr val="FF0000"/>
+                </a:solidFill>
+                <a:latin typeface="Calibri"/>
+                <a:cs typeface="Calibri"/>
+                <a:sym typeface="Symbol"/>
+              </a:rPr>
+              <a:t>initiales</a:t>
+            </a:r>
+            <a:r>
+              <a:rPr lang="en-US" sz="1400" dirty="0" smtClean="0">
+                <a:solidFill>
+                  <a:srgbClr val="FF0000"/>
+                </a:solidFill>
+                <a:latin typeface="Calibri"/>
+                <a:cs typeface="Calibri"/>
+                <a:sym typeface="Symbol"/>
+              </a:rPr>
+              <a:t> </a:t>
+            </a:r>
+            <a:r>
+              <a:rPr lang="en-US" sz="1400" dirty="0" err="1" smtClean="0">
+                <a:solidFill>
+                  <a:srgbClr val="FF0000"/>
+                </a:solidFill>
+                <a:latin typeface="Calibri"/>
+                <a:cs typeface="Calibri"/>
+                <a:sym typeface="Symbol"/>
+              </a:rPr>
+              <a:t>nulles</a:t>
+            </a:r>
+            <a:r>
+              <a:rPr lang="en-US" sz="1400" dirty="0" smtClean="0">
+                <a:solidFill>
+                  <a:srgbClr val="FF0000"/>
+                </a:solidFill>
+                <a:latin typeface="Calibri"/>
+                <a:cs typeface="Calibri"/>
+                <a:sym typeface="Symbol"/>
+              </a:rPr>
+              <a:t> pour </a:t>
+            </a:r>
+            <a:r>
+              <a:rPr lang="en-US" sz="1400" i="1" dirty="0" smtClean="0">
+                <a:solidFill>
+                  <a:srgbClr val="FF0000"/>
+                </a:solidFill>
+                <a:latin typeface="Calibri"/>
+                <a:cs typeface="Calibri"/>
+                <a:sym typeface="Symbol"/>
+              </a:rPr>
+              <a:t>t</a:t>
+            </a:r>
+            <a:r>
+              <a:rPr lang="en-US" sz="1400" dirty="0" smtClean="0">
+                <a:solidFill>
+                  <a:srgbClr val="FF0000"/>
+                </a:solidFill>
+                <a:latin typeface="Calibri"/>
+                <a:cs typeface="Calibri"/>
+                <a:sym typeface="Symbol"/>
+              </a:rPr>
+              <a:t>=0.</a:t>
+            </a:r>
+            <a:endParaRPr lang="en-US" dirty="0">
+              <a:solidFill>
+                <a:srgbClr val="FF0000"/>
+              </a:solidFill>
+            </a:endParaRPr>
+          </a:p>
+        </p:txBody>
+      </p:sp>
     </p:spTree>
   </p:cSld>
   <p:clrMapOvr>
@@ -3202,6 +3765,32 @@
           <a:chExt cx="0" cy="0"/>
         </a:xfrm>
       </p:grpSpPr>
+      <p:pic>
+        <p:nvPicPr>
+          <p:cNvPr id="24" name="Picture 4" descr="142,845 Check Mark Stock Photos, Pictures &amp; Royalty-Free Images - iStock"/>
+          <p:cNvPicPr>
+            <a:picLocks noChangeAspect="1" noChangeArrowheads="1"/>
+          </p:cNvPicPr>
+          <p:nvPr/>
+        </p:nvPicPr>
+        <p:blipFill>
+          <a:blip r:embed="rId3"/>
+          <a:srcRect/>
+          <a:stretch>
+            <a:fillRect/>
+          </a:stretch>
+        </p:blipFill>
+        <p:spPr bwMode="auto">
+          <a:xfrm>
+            <a:off x="7475220" y="2927668"/>
+            <a:ext cx="1043940" cy="1043940"/>
+          </a:xfrm>
+          <a:prstGeom prst="rect">
+            <a:avLst/>
+          </a:prstGeom>
+          <a:noFill/>
+        </p:spPr>
+      </p:pic>
       <p:sp>
         <p:nvSpPr>
           <p:cNvPr id="2" name="Titre 1"/>
@@ -3224,7 +3813,11 @@
           <a:p>
             <a:r>
               <a:rPr lang="fr-CA" cap="all" dirty="0" smtClean="0"/>
-              <a:t>B) MÉTHODE DES SOLUTIONS MANUFACTURÉES (MMS)</a:t>
+              <a:t>B) MÉTHODE DES SOLUTIONS MANUFACTURÉES </a:t>
+            </a:r>
+            <a:r>
+              <a:rPr lang="fr-CA" cap="all" dirty="0" smtClean="0"/>
+              <a:t>(SUITE)</a:t>
             </a:r>
             <a:endParaRPr lang="fr-CA" cap="all" dirty="0"/>
           </a:p>
@@ -3443,11 +4036,7 @@
             </a:r>
             <a:r>
               <a:rPr lang="fr-FR" dirty="0" smtClean="0"/>
-              <a:t>Obtenir le terme source </a:t>
-            </a:r>
-            <a:r>
-              <a:rPr lang="fr-FR" dirty="0" smtClean="0"/>
-              <a:t>analytique</a:t>
+              <a:t>Obtenir le terme source analytique</a:t>
             </a:r>
           </a:p>
           <a:p>
@@ -3503,7 +4092,7 @@
         </p:xfrm>
         <a:graphic>
           <a:graphicData uri="http://schemas.openxmlformats.org/presentationml/2006/ole">
-            <p:oleObj spid="_x0000_s22536" name="Equation" r:id="rId3" imgW="901440" imgH="444240" progId="Equation.DSMT4">
+            <p:oleObj spid="_x0000_s22536" name="Equation" r:id="rId4" imgW="901440" imgH="444240" progId="Equation.DSMT4">
               <p:embed/>
             </p:oleObj>
           </a:graphicData>
@@ -3518,12 +4107,12 @@
           <p:nvPr/>
         </p:nvGraphicFramePr>
         <p:xfrm>
-          <a:off x="1477963" y="1903413"/>
-          <a:ext cx="5354637" cy="2559050"/>
+          <a:off x="1290638" y="1722784"/>
+          <a:ext cx="5729287" cy="3305175"/>
         </p:xfrm>
         <a:graphic>
           <a:graphicData uri="http://schemas.openxmlformats.org/presentationml/2006/ole">
-            <p:oleObj spid="_x0000_s22537" name="Equation" r:id="rId4" imgW="3809880" imgH="1828800" progId="Equation.DSMT4">
+            <p:oleObj spid="_x0000_s22537" name="Equation" r:id="rId5" imgW="4076640" imgH="2361960" progId="Equation.DSMT4">
               <p:embed/>
             </p:oleObj>
           </a:graphicData>
@@ -3543,7 +4132,7 @@
         </p:xfrm>
         <a:graphic>
           <a:graphicData uri="http://schemas.openxmlformats.org/presentationml/2006/ole">
-            <p:oleObj spid="_x0000_s22538" name="Equation" r:id="rId5" imgW="126720" imgH="190440" progId="Equation.DSMT4">
+            <p:oleObj spid="_x0000_s22538" name="Equation" r:id="rId6" imgW="126720" imgH="190440" progId="Equation.DSMT4">
               <p:embed/>
             </p:oleObj>
           </a:graphicData>
@@ -3563,7 +4152,7 @@
         </p:xfrm>
         <a:graphic>
           <a:graphicData uri="http://schemas.openxmlformats.org/presentationml/2006/ole">
-            <p:oleObj spid="_x0000_s22539" name="Equation" r:id="rId6" imgW="126720" imgH="190440" progId="Equation.DSMT4">
+            <p:oleObj spid="_x0000_s22539" name="Equation" r:id="rId7" imgW="126720" imgH="190440" progId="Equation.DSMT4">
               <p:embed/>
             </p:oleObj>
           </a:graphicData>
@@ -3583,7 +4172,7 @@
         </p:xfrm>
         <a:graphic>
           <a:graphicData uri="http://schemas.openxmlformats.org/presentationml/2006/ole">
-            <p:oleObj spid="_x0000_s22540" name="Equation" r:id="rId7" imgW="2819160" imgH="647640" progId="Equation.DSMT4">
+            <p:oleObj spid="_x0000_s22540" name="Equation" r:id="rId8" imgW="2819160" imgH="647640" progId="Equation.DSMT4">
               <p:embed/>
             </p:oleObj>
           </a:graphicData>
@@ -3657,7 +4246,7 @@
         </p:nvSpPr>
         <p:spPr>
           <a:xfrm>
-            <a:off x="3520599" y="2958783"/>
+            <a:off x="3690938" y="3133249"/>
             <a:ext cx="199707" cy="231775"/>
           </a:xfrm>
           <a:prstGeom prst="ellipse">
@@ -3743,92 +4332,90 @@
           </a:p>
         </p:txBody>
       </p:sp>
+      <p:graphicFrame>
+        <p:nvGraphicFramePr>
+          <p:cNvPr id="22541" name="Object 13"/>
+          <p:cNvGraphicFramePr>
+            <a:graphicFrameLocks noChangeAspect="1"/>
+          </p:cNvGraphicFramePr>
+          <p:nvPr/>
+        </p:nvGraphicFramePr>
+        <p:xfrm>
+          <a:off x="6597333" y="5372100"/>
+          <a:ext cx="4711700" cy="952500"/>
+        </p:xfrm>
+        <a:graphic>
+          <a:graphicData uri="http://schemas.openxmlformats.org/presentationml/2006/ole">
+            <p:oleObj spid="_x0000_s22541" name="Equation" r:id="rId9" imgW="4711680" imgH="952200" progId="Equation.DSMT4">
+              <p:embed/>
+            </p:oleObj>
+          </a:graphicData>
+        </a:graphic>
+      </p:graphicFrame>
       <p:sp>
         <p:nvSpPr>
-          <p:cNvPr id="23" name="ZoneTexte 22"/>
-          <p:cNvSpPr txBox="1"/>
+          <p:cNvPr id="19" name="Flèche gauche 18"/>
+          <p:cNvSpPr/>
           <p:nvPr/>
         </p:nvSpPr>
         <p:spPr>
           <a:xfrm>
-            <a:off x="6598920" y="5789414"/>
-            <a:ext cx="5227320" cy="369332"/>
-          </a:xfrm>
-          <a:prstGeom prst="rect">
+            <a:off x="5196840" y="3182938"/>
+            <a:ext cx="1226820" cy="498475"/>
+          </a:xfrm>
+          <a:prstGeom prst="leftArrow">
             <a:avLst/>
           </a:prstGeom>
-          <a:noFill/>
-        </p:spPr>
+        </p:spPr>
+        <p:style>
+          <a:lnRef idx="2">
+            <a:schemeClr val="accent1">
+              <a:shade val="50000"/>
+            </a:schemeClr>
+          </a:lnRef>
+          <a:fillRef idx="1">
+            <a:schemeClr val="accent1"/>
+          </a:fillRef>
+          <a:effectRef idx="0">
+            <a:schemeClr val="accent1"/>
+          </a:effectRef>
+          <a:fontRef idx="minor">
+            <a:schemeClr val="lt1"/>
+          </a:fontRef>
+        </p:style>
         <p:txBody>
-          <a:bodyPr wrap="square" rtlCol="0">
-            <a:spAutoFit/>
-          </a:bodyPr>
+          <a:bodyPr rtlCol="0" anchor="ctr"/>
           <a:lstStyle/>
           <a:p>
-            <a:r>
-              <a:rPr lang="en-US" dirty="0" smtClean="0">
-                <a:solidFill>
-                  <a:srgbClr val="FF0000"/>
-                </a:solidFill>
-              </a:rPr>
-              <a:t>Le </a:t>
-            </a:r>
-            <a:r>
-              <a:rPr lang="en-US" dirty="0" err="1" smtClean="0">
-                <a:solidFill>
-                  <a:srgbClr val="FF0000"/>
-                </a:solidFill>
-              </a:rPr>
-              <a:t>terme</a:t>
-            </a:r>
-            <a:r>
-              <a:rPr lang="en-US" dirty="0" smtClean="0">
-                <a:solidFill>
-                  <a:srgbClr val="FF0000"/>
-                </a:solidFill>
-              </a:rPr>
-              <a:t> source </a:t>
-            </a:r>
-            <a:r>
-              <a:rPr lang="en-US" dirty="0" err="1" smtClean="0">
-                <a:solidFill>
-                  <a:srgbClr val="FF0000"/>
-                </a:solidFill>
-              </a:rPr>
-              <a:t>n’a</a:t>
-            </a:r>
-            <a:r>
-              <a:rPr lang="en-US" dirty="0" smtClean="0">
-                <a:solidFill>
-                  <a:srgbClr val="FF0000"/>
-                </a:solidFill>
-              </a:rPr>
-              <a:t> pas de </a:t>
-            </a:r>
-            <a:r>
-              <a:rPr lang="en-US" dirty="0" err="1" smtClean="0">
-                <a:solidFill>
-                  <a:srgbClr val="FF0000"/>
-                </a:solidFill>
-              </a:rPr>
-              <a:t>singularité</a:t>
-            </a:r>
-            <a:r>
-              <a:rPr lang="en-US" dirty="0" smtClean="0">
-                <a:solidFill>
-                  <a:srgbClr val="FF0000"/>
-                </a:solidFill>
-              </a:rPr>
-              <a:t> en r=0!</a:t>
-            </a:r>
-            <a:endParaRPr lang="en-US" dirty="0">
-              <a:solidFill>
-                <a:srgbClr val="FF0000"/>
-              </a:solidFill>
-            </a:endParaRPr>
+            <a:pPr algn="ctr"/>
+            <a:r>
+              <a:rPr lang="en-US" dirty="0" smtClean="0"/>
+              <a:t>Neumann</a:t>
+            </a:r>
+            <a:endParaRPr lang="en-US" dirty="0"/>
           </a:p>
         </p:txBody>
       </p:sp>
+      <p:graphicFrame>
+        <p:nvGraphicFramePr>
+          <p:cNvPr id="22542" name="Object 14"/>
+          <p:cNvGraphicFramePr>
+            <a:graphicFrameLocks noChangeAspect="1"/>
+          </p:cNvGraphicFramePr>
+          <p:nvPr/>
+        </p:nvGraphicFramePr>
+        <p:xfrm>
+          <a:off x="6597333" y="3102769"/>
+          <a:ext cx="1052512" cy="693737"/>
+        </p:xfrm>
+        <a:graphic>
+          <a:graphicData uri="http://schemas.openxmlformats.org/presentationml/2006/ole">
+            <p:oleObj spid="_x0000_s22542" name="Equation" r:id="rId10" imgW="749160" imgH="495000" progId="Equation.DSMT4">
+              <p:embed/>
+            </p:oleObj>
+          </a:graphicData>
+        </a:graphic>
+      </p:graphicFrame>
     </p:spTree>
   </p:cSld>
   <p:clrMapOvr>
@@ -3876,7 +4463,11 @@
           <a:p>
             <a:r>
               <a:rPr lang="fr-CA" cap="all" dirty="0" smtClean="0"/>
-              <a:t>B) MÉTHODE DES SOLUTIONS MANUFACTURÉES (MMS)</a:t>
+              <a:t>B) MÉTHODE DES SOLUTIONS MANUFACTURÉES </a:t>
+            </a:r>
+            <a:r>
+              <a:rPr lang="fr-CA" cap="all" dirty="0" smtClean="0"/>
+              <a:t>(SUITE)</a:t>
             </a:r>
             <a:endParaRPr lang="fr-CA" cap="all" dirty="0"/>
           </a:p>
@@ -4072,7 +4663,7 @@
         <p:spPr>
           <a:xfrm>
             <a:off x="670560" y="1517520"/>
-            <a:ext cx="10683240" cy="923330"/>
+            <a:ext cx="10683240" cy="2031325"/>
           </a:xfrm>
           <a:prstGeom prst="rect">
             <a:avLst/>
@@ -4091,7 +4682,30 @@
             </a:r>
             <a:r>
               <a:rPr lang="fr-CA" dirty="0" smtClean="0"/>
-              <a:t>: Équation modifiée à résoudre</a:t>
+              <a:t>: Équation modifiée à </a:t>
+            </a:r>
+            <a:r>
+              <a:rPr lang="fr-CA" dirty="0" smtClean="0"/>
+              <a:t>résoudre</a:t>
+            </a:r>
+          </a:p>
+          <a:p>
+            <a:endParaRPr lang="fr-CA" dirty="0" smtClean="0"/>
+          </a:p>
+          <a:p>
+            <a:endParaRPr lang="fr-CA" dirty="0" smtClean="0"/>
+          </a:p>
+          <a:p>
+            <a:endParaRPr lang="fr-CA" dirty="0" smtClean="0"/>
+          </a:p>
+          <a:p>
+            <a:r>
+              <a:rPr lang="fr-CA" b="1" u="sng" dirty="0" smtClean="0"/>
+              <a:t>Solution stationnaire</a:t>
+            </a:r>
+            <a:r>
+              <a:rPr lang="fr-CA" dirty="0" smtClean="0"/>
+              <a:t>:</a:t>
             </a:r>
             <a:endParaRPr lang="fr-CA" dirty="0" smtClean="0"/>
           </a:p>
@@ -4164,6 +4778,1956 @@
           </a:graphicData>
         </a:graphic>
       </p:graphicFrame>
+      <p:graphicFrame>
+        <p:nvGraphicFramePr>
+          <p:cNvPr id="23560" name="Object 8"/>
+          <p:cNvGraphicFramePr>
+            <a:graphicFrameLocks noChangeAspect="1"/>
+          </p:cNvGraphicFramePr>
+          <p:nvPr/>
+        </p:nvGraphicFramePr>
+        <p:xfrm>
+          <a:off x="3049588" y="2417763"/>
+          <a:ext cx="2751137" cy="765175"/>
+        </p:xfrm>
+        <a:graphic>
+          <a:graphicData uri="http://schemas.openxmlformats.org/presentationml/2006/ole">
+            <p:oleObj spid="_x0000_s23560" name="Equation" r:id="rId6" imgW="1955520" imgH="545760" progId="Equation.DSMT4">
+              <p:embed/>
+            </p:oleObj>
+          </a:graphicData>
+        </a:graphic>
+      </p:graphicFrame>
+      <p:pic>
+        <p:nvPicPr>
+          <p:cNvPr id="23561" name="Picture 9"/>
+          <p:cNvPicPr>
+            <a:picLocks noChangeAspect="1" noChangeArrowheads="1"/>
+          </p:cNvPicPr>
+          <p:nvPr/>
+        </p:nvPicPr>
+        <p:blipFill>
+          <a:blip r:embed="rId7"/>
+          <a:srcRect/>
+          <a:stretch>
+            <a:fillRect/>
+          </a:stretch>
+        </p:blipFill>
+        <p:spPr bwMode="auto">
+          <a:xfrm>
+            <a:off x="2968625" y="3449638"/>
+            <a:ext cx="3863526" cy="2895917"/>
+          </a:xfrm>
+          <a:prstGeom prst="rect">
+            <a:avLst/>
+          </a:prstGeom>
+          <a:noFill/>
+          <a:ln w="12700">
+            <a:solidFill>
+              <a:schemeClr val="tx1"/>
+            </a:solidFill>
+            <a:miter lim="800000"/>
+            <a:headEnd/>
+            <a:tailEnd/>
+          </a:ln>
+          <a:effectLst/>
+        </p:spPr>
+      </p:pic>
+      <p:sp>
+        <p:nvSpPr>
+          <p:cNvPr id="14" name="ZoneTexte 13"/>
+          <p:cNvSpPr txBox="1"/>
+          <p:nvPr/>
+        </p:nvSpPr>
+        <p:spPr>
+          <a:xfrm>
+            <a:off x="7459980" y="3921124"/>
+            <a:ext cx="4251960" cy="923330"/>
+          </a:xfrm>
+          <a:prstGeom prst="rect">
+            <a:avLst/>
+          </a:prstGeom>
+          <a:noFill/>
+        </p:spPr>
+        <p:txBody>
+          <a:bodyPr wrap="square" rtlCol="0">
+            <a:spAutoFit/>
+          </a:bodyPr>
+          <a:lstStyle/>
+          <a:p>
+            <a:r>
+              <a:rPr lang="en-US" dirty="0" smtClean="0">
+                <a:solidFill>
+                  <a:srgbClr val="FF0000"/>
+                </a:solidFill>
+              </a:rPr>
+              <a:t>La solution </a:t>
+            </a:r>
+            <a:r>
+              <a:rPr lang="en-US" dirty="0" err="1" smtClean="0">
+                <a:solidFill>
+                  <a:srgbClr val="FF0000"/>
+                </a:solidFill>
+              </a:rPr>
+              <a:t>stationnaire</a:t>
+            </a:r>
+            <a:r>
+              <a:rPr lang="en-US" dirty="0" smtClean="0">
+                <a:solidFill>
+                  <a:srgbClr val="FF0000"/>
+                </a:solidFill>
+              </a:rPr>
+              <a:t> </a:t>
+            </a:r>
+            <a:r>
+              <a:rPr lang="en-US" dirty="0" err="1" smtClean="0">
+                <a:solidFill>
+                  <a:srgbClr val="FF0000"/>
+                </a:solidFill>
+              </a:rPr>
+              <a:t>n’a</a:t>
+            </a:r>
+            <a:r>
+              <a:rPr lang="en-US" dirty="0" smtClean="0">
+                <a:solidFill>
+                  <a:srgbClr val="FF0000"/>
+                </a:solidFill>
+              </a:rPr>
+              <a:t> pas de </a:t>
+            </a:r>
+            <a:r>
+              <a:rPr lang="en-US" dirty="0" err="1" smtClean="0">
+                <a:solidFill>
+                  <a:srgbClr val="FF0000"/>
+                </a:solidFill>
+              </a:rPr>
+              <a:t>sens</a:t>
+            </a:r>
+            <a:r>
+              <a:rPr lang="en-US" dirty="0" smtClean="0">
+                <a:solidFill>
+                  <a:srgbClr val="FF0000"/>
+                </a:solidFill>
+              </a:rPr>
+              <a:t> physique, car la concentration </a:t>
+            </a:r>
+            <a:r>
+              <a:rPr lang="en-US" dirty="0" err="1" smtClean="0">
+                <a:solidFill>
+                  <a:srgbClr val="FF0000"/>
+                </a:solidFill>
+              </a:rPr>
+              <a:t>est</a:t>
+            </a:r>
+            <a:r>
+              <a:rPr lang="en-US" dirty="0" smtClean="0">
+                <a:solidFill>
+                  <a:srgbClr val="FF0000"/>
+                </a:solidFill>
+              </a:rPr>
+              <a:t> </a:t>
+            </a:r>
+            <a:r>
+              <a:rPr lang="en-US" dirty="0" err="1" smtClean="0">
+                <a:solidFill>
+                  <a:srgbClr val="FF0000"/>
+                </a:solidFill>
+              </a:rPr>
+              <a:t>maximale</a:t>
+            </a:r>
+            <a:r>
+              <a:rPr lang="en-US" dirty="0" smtClean="0">
+                <a:solidFill>
+                  <a:srgbClr val="FF0000"/>
+                </a:solidFill>
+              </a:rPr>
+              <a:t> au centre du </a:t>
+            </a:r>
+            <a:r>
+              <a:rPr lang="en-US" dirty="0" err="1" smtClean="0">
+                <a:solidFill>
+                  <a:srgbClr val="FF0000"/>
+                </a:solidFill>
+              </a:rPr>
+              <a:t>pilier</a:t>
+            </a:r>
+            <a:r>
+              <a:rPr lang="en-US" dirty="0" smtClean="0">
+                <a:solidFill>
+                  <a:srgbClr val="FF0000"/>
+                </a:solidFill>
+              </a:rPr>
+              <a:t>.</a:t>
+            </a:r>
+            <a:endParaRPr lang="en-US" dirty="0">
+              <a:solidFill>
+                <a:srgbClr val="FF0000"/>
+              </a:solidFill>
+            </a:endParaRPr>
+          </a:p>
+        </p:txBody>
+      </p:sp>
+    </p:spTree>
+  </p:cSld>
+  <p:clrMapOvr>
+    <a:masterClrMapping/>
+  </p:clrMapOvr>
+</p:sld>
+</file>
+
+<file path=ppt/slides/slide6.xml><?xml version="1.0" encoding="utf-8"?>
+<p:sld xmlns:a="http://schemas.openxmlformats.org/drawingml/2006/main" xmlns:r="http://schemas.openxmlformats.org/officeDocument/2006/relationships" xmlns:p="http://schemas.openxmlformats.org/presentationml/2006/main">
+  <p:cSld>
+    <p:spTree>
+      <p:nvGrpSpPr>
+        <p:cNvPr id="1" name=""/>
+        <p:cNvGrpSpPr/>
+        <p:nvPr/>
+      </p:nvGrpSpPr>
+      <p:grpSpPr>
+        <a:xfrm>
+          <a:off x="0" y="0"/>
+          <a:ext cx="0" cy="0"/>
+          <a:chOff x="0" y="0"/>
+          <a:chExt cx="0" cy="0"/>
+        </a:xfrm>
+      </p:grpSpPr>
+      <p:pic>
+        <p:nvPicPr>
+          <p:cNvPr id="15" name="Picture 4" descr="142,845 Check Mark Stock Photos, Pictures &amp; Royalty-Free Images - iStock"/>
+          <p:cNvPicPr>
+            <a:picLocks noChangeAspect="1" noChangeArrowheads="1"/>
+          </p:cNvPicPr>
+          <p:nvPr/>
+        </p:nvPicPr>
+        <p:blipFill>
+          <a:blip r:embed="rId3"/>
+          <a:srcRect/>
+          <a:stretch>
+            <a:fillRect/>
+          </a:stretch>
+        </p:blipFill>
+        <p:spPr bwMode="auto">
+          <a:xfrm>
+            <a:off x="430530" y="1920875"/>
+            <a:ext cx="1043940" cy="1043940"/>
+          </a:xfrm>
+          <a:prstGeom prst="rect">
+            <a:avLst/>
+          </a:prstGeom>
+          <a:noFill/>
+        </p:spPr>
+      </p:pic>
+      <p:sp>
+        <p:nvSpPr>
+          <p:cNvPr id="2" name="Titre 1"/>
+          <p:cNvSpPr>
+            <a:spLocks noGrp="1"/>
+          </p:cNvSpPr>
+          <p:nvPr>
+            <p:ph type="title"/>
+          </p:nvPr>
+        </p:nvSpPr>
+        <p:spPr>
+          <a:xfrm>
+            <a:off x="1399368" y="743919"/>
+            <a:ext cx="9230532" cy="588935"/>
+          </a:xfrm>
+        </p:spPr>
+        <p:txBody>
+          <a:bodyPr/>
+          <a:lstStyle/>
+          <a:p>
+            <a:r>
+              <a:rPr lang="fr-CA" cap="all" dirty="0" smtClean="0"/>
+              <a:t>B) MÉTHODE DES SOLUTIONS MANUFACTURÉES </a:t>
+            </a:r>
+            <a:r>
+              <a:rPr lang="fr-CA" cap="all" dirty="0" smtClean="0"/>
+              <a:t>(SUITE)</a:t>
+            </a:r>
+            <a:endParaRPr lang="fr-CA" cap="all" dirty="0"/>
+          </a:p>
+        </p:txBody>
+      </p:sp>
+      <p:sp>
+        <p:nvSpPr>
+          <p:cNvPr id="8" name="Espace réservé de la date 2"/>
+          <p:cNvSpPr txBox="1">
+            <a:spLocks/>
+          </p:cNvSpPr>
+          <p:nvPr/>
+        </p:nvSpPr>
+        <p:spPr>
+          <a:xfrm>
+            <a:off x="952500" y="6504501"/>
+            <a:ext cx="11198817" cy="323420"/>
+          </a:xfrm>
+          <a:prstGeom prst="rect">
+            <a:avLst/>
+          </a:prstGeom>
+        </p:spPr>
+        <p:txBody>
+          <a:bodyPr vert="horz" lIns="91440" tIns="45720" rIns="91440" bIns="45720" rtlCol="0" anchor="ctr"/>
+          <a:lstStyle/>
+          <a:p>
+            <a:pPr marL="0" marR="0" lvl="0" indent="0" algn="ctr" defTabSz="914400" rtl="0" eaLnBrk="1" fontAlgn="auto" latinLnBrk="0" hangingPunct="1">
+              <a:lnSpc>
+                <a:spcPct val="100000"/>
+              </a:lnSpc>
+              <a:spcBef>
+                <a:spcPts val="0"/>
+              </a:spcBef>
+              <a:spcAft>
+                <a:spcPts val="0"/>
+              </a:spcAft>
+              <a:buClrTx/>
+              <a:buSzTx/>
+              <a:buFontTx/>
+              <a:buNone/>
+              <a:tabLst/>
+              <a:defRPr/>
+            </a:pPr>
+            <a:r>
+              <a:rPr kumimoji="0" lang="fr-FR" sz="1200" b="0" i="0" u="none" strike="noStrike" kern="1200" cap="none" spc="0" normalizeH="0" baseline="0" noProof="0" dirty="0" smtClean="0">
+                <a:ln>
+                  <a:noFill/>
+                </a:ln>
+                <a:solidFill>
+                  <a:schemeClr val="tx1">
+                    <a:tint val="75000"/>
+                  </a:schemeClr>
+                </a:solidFill>
+                <a:effectLst/>
+                <a:uLnTx/>
+                <a:uFillTx/>
+                <a:latin typeface="Arial" charset="0"/>
+                <a:ea typeface="Arial" charset="0"/>
+                <a:cs typeface="Arial" charset="0"/>
+              </a:rPr>
+              <a:t>MEC8211 – Vérification et validation en modélisation numérique</a:t>
+            </a:r>
+            <a:endParaRPr kumimoji="0" lang="fr-FR" sz="1200" b="0" i="0" u="none" strike="noStrike" kern="1200" cap="none" spc="0" normalizeH="0" baseline="0" noProof="0" dirty="0">
+              <a:ln>
+                <a:noFill/>
+              </a:ln>
+              <a:solidFill>
+                <a:schemeClr val="tx1">
+                  <a:tint val="75000"/>
+                </a:schemeClr>
+              </a:solidFill>
+              <a:effectLst/>
+              <a:uLnTx/>
+              <a:uFillTx/>
+              <a:latin typeface="Arial" charset="0"/>
+              <a:ea typeface="Arial" charset="0"/>
+              <a:cs typeface="Arial" charset="0"/>
+            </a:endParaRPr>
+          </a:p>
+        </p:txBody>
+      </p:sp>
+      <p:sp>
+        <p:nvSpPr>
+          <p:cNvPr id="9" name="Espace réservé du numéro de diapositive 3"/>
+          <p:cNvSpPr txBox="1">
+            <a:spLocks/>
+          </p:cNvSpPr>
+          <p:nvPr/>
+        </p:nvSpPr>
+        <p:spPr>
+          <a:xfrm>
+            <a:off x="11584338" y="6473505"/>
+            <a:ext cx="566979" cy="354416"/>
+          </a:xfrm>
+          <a:prstGeom prst="rect">
+            <a:avLst/>
+          </a:prstGeom>
+        </p:spPr>
+        <p:txBody>
+          <a:bodyPr vert="horz" lIns="91440" tIns="45720" rIns="91440" bIns="45720" rtlCol="0" anchor="ctr"/>
+          <a:lstStyle/>
+          <a:p>
+            <a:pPr marL="0" marR="0" lvl="0" indent="0" algn="r" defTabSz="914400" rtl="0" eaLnBrk="1" fontAlgn="auto" latinLnBrk="0" hangingPunct="1">
+              <a:lnSpc>
+                <a:spcPct val="100000"/>
+              </a:lnSpc>
+              <a:spcBef>
+                <a:spcPts val="0"/>
+              </a:spcBef>
+              <a:spcAft>
+                <a:spcPts val="0"/>
+              </a:spcAft>
+              <a:buClrTx/>
+              <a:buSzTx/>
+              <a:buFontTx/>
+              <a:buNone/>
+              <a:tabLst/>
+              <a:defRPr/>
+            </a:pPr>
+            <a:r>
+              <a:rPr lang="fr-FR" sz="1200" dirty="0" smtClean="0">
+                <a:solidFill>
+                  <a:schemeClr val="tx1">
+                    <a:tint val="75000"/>
+                  </a:schemeClr>
+                </a:solidFill>
+                <a:latin typeface="Arial" charset="0"/>
+                <a:ea typeface="Arial" charset="0"/>
+                <a:cs typeface="Arial" charset="0"/>
+              </a:rPr>
+              <a:t>X</a:t>
+            </a:r>
+            <a:endParaRPr kumimoji="0" lang="fr-FR" sz="1200" b="0" i="0" u="none" strike="noStrike" kern="1200" cap="none" spc="0" normalizeH="0" baseline="0" noProof="0" dirty="0">
+              <a:ln>
+                <a:noFill/>
+              </a:ln>
+              <a:solidFill>
+                <a:schemeClr val="tx1">
+                  <a:tint val="75000"/>
+                </a:schemeClr>
+              </a:solidFill>
+              <a:effectLst/>
+              <a:uLnTx/>
+              <a:uFillTx/>
+              <a:latin typeface="Arial" charset="0"/>
+              <a:ea typeface="Arial" charset="0"/>
+              <a:cs typeface="Arial" charset="0"/>
+            </a:endParaRPr>
+          </a:p>
+        </p:txBody>
+      </p:sp>
+      <p:cxnSp>
+        <p:nvCxnSpPr>
+          <p:cNvPr id="11" name="Connecteur droit 10"/>
+          <p:cNvCxnSpPr/>
+          <p:nvPr/>
+        </p:nvCxnSpPr>
+        <p:spPr>
+          <a:xfrm>
+            <a:off x="388620" y="1332854"/>
+            <a:ext cx="10965180" cy="0"/>
+          </a:xfrm>
+          <a:prstGeom prst="line">
+            <a:avLst/>
+          </a:prstGeom>
+          <a:ln w="12700">
+            <a:solidFill>
+              <a:srgbClr val="C41A1A"/>
+            </a:solidFill>
+          </a:ln>
+        </p:spPr>
+        <p:style>
+          <a:lnRef idx="1">
+            <a:schemeClr val="accent1"/>
+          </a:lnRef>
+          <a:fillRef idx="0">
+            <a:schemeClr val="accent1"/>
+          </a:fillRef>
+          <a:effectRef idx="0">
+            <a:schemeClr val="accent1"/>
+          </a:effectRef>
+          <a:fontRef idx="minor">
+            <a:schemeClr val="tx1"/>
+          </a:fontRef>
+        </p:style>
+      </p:cxnSp>
+      <p:sp>
+        <p:nvSpPr>
+          <p:cNvPr id="12" name="ZoneTexte 11"/>
+          <p:cNvSpPr txBox="1"/>
+          <p:nvPr/>
+        </p:nvSpPr>
+        <p:spPr>
+          <a:xfrm>
+            <a:off x="431483" y="1517520"/>
+            <a:ext cx="10683240" cy="3908762"/>
+          </a:xfrm>
+          <a:prstGeom prst="rect">
+            <a:avLst/>
+          </a:prstGeom>
+          <a:noFill/>
+        </p:spPr>
+        <p:txBody>
+          <a:bodyPr wrap="square" rtlCol="0">
+            <a:spAutoFit/>
+          </a:bodyPr>
+          <a:lstStyle/>
+          <a:p>
+            <a:r>
+              <a:rPr lang="fr-CA" b="1" u="sng" dirty="0" smtClean="0"/>
+              <a:t>Convergence spatiale</a:t>
+            </a:r>
+            <a:r>
+              <a:rPr lang="fr-CA" dirty="0" smtClean="0"/>
+              <a:t>:</a:t>
+            </a:r>
+          </a:p>
+          <a:p>
+            <a:endParaRPr lang="fr-CA" dirty="0" smtClean="0"/>
+          </a:p>
+          <a:p>
+            <a:endParaRPr lang="fr-CA" sz="1100" b="1" dirty="0" smtClean="0">
+              <a:solidFill>
+                <a:srgbClr val="FF0000"/>
+              </a:solidFill>
+            </a:endParaRPr>
+          </a:p>
+          <a:p>
+            <a:endParaRPr lang="fr-CA" sz="1100" b="1" dirty="0" smtClean="0">
+              <a:solidFill>
+                <a:srgbClr val="FF0000"/>
+              </a:solidFill>
+            </a:endParaRPr>
+          </a:p>
+          <a:p>
+            <a:endParaRPr lang="fr-CA" sz="1100" b="1" dirty="0" smtClean="0">
+              <a:solidFill>
+                <a:srgbClr val="FF0000"/>
+              </a:solidFill>
+            </a:endParaRPr>
+          </a:p>
+          <a:p>
+            <a:endParaRPr lang="fr-CA" sz="1100" b="1" dirty="0" smtClean="0">
+              <a:solidFill>
+                <a:srgbClr val="FF0000"/>
+              </a:solidFill>
+            </a:endParaRPr>
+          </a:p>
+          <a:p>
+            <a:endParaRPr lang="fr-CA" sz="1100" b="1" dirty="0" smtClean="0">
+              <a:solidFill>
+                <a:srgbClr val="FF0000"/>
+              </a:solidFill>
+            </a:endParaRPr>
+          </a:p>
+          <a:p>
+            <a:endParaRPr lang="fr-CA" sz="1100" b="1" dirty="0" smtClean="0">
+              <a:solidFill>
+                <a:srgbClr val="FF0000"/>
+              </a:solidFill>
+            </a:endParaRPr>
+          </a:p>
+          <a:p>
+            <a:r>
+              <a:rPr lang="fr-CA" sz="1100" b="1" dirty="0" err="1" smtClean="0">
+                <a:solidFill>
+                  <a:srgbClr val="FF0000"/>
+                </a:solidFill>
+              </a:rPr>
+              <a:t>Matlab</a:t>
+            </a:r>
+            <a:r>
+              <a:rPr lang="fr-CA" sz="1100" b="1" dirty="0" smtClean="0">
+                <a:solidFill>
+                  <a:srgbClr val="FF0000"/>
+                </a:solidFill>
+              </a:rPr>
+              <a:t>:</a:t>
+            </a:r>
+            <a:r>
+              <a:rPr lang="fr-CA" sz="1100" dirty="0" smtClean="0"/>
+              <a:t> 5 nœuds initialement, 5 raffinements pour </a:t>
+            </a:r>
+            <a:r>
+              <a:rPr lang="fr-CA" sz="1100" i="1" dirty="0" smtClean="0"/>
+              <a:t>h</a:t>
+            </a:r>
+            <a:r>
+              <a:rPr lang="fr-CA" sz="1100" dirty="0" smtClean="0"/>
+              <a:t>, 10 pas de temps de 10 ans</a:t>
+            </a:r>
+          </a:p>
+          <a:p>
+            <a:endParaRPr lang="fr-CA" sz="1100" dirty="0" smtClean="0"/>
+          </a:p>
+          <a:p>
+            <a:r>
+              <a:rPr lang="fr-CA" sz="1100" dirty="0" smtClean="0"/>
+              <a:t>&gt;&gt; </a:t>
+            </a:r>
+            <a:r>
+              <a:rPr lang="fr-CA" sz="1100" b="1" dirty="0" err="1" smtClean="0"/>
+              <a:t>FickVerifSpatialMMS</a:t>
+            </a:r>
+            <a:r>
+              <a:rPr lang="fr-CA" sz="1100" dirty="0" smtClean="0"/>
+              <a:t>(5,5,10,10</a:t>
+            </a:r>
+            <a:r>
+              <a:rPr lang="fr-CA" sz="1100" dirty="0" smtClean="0"/>
+              <a:t>)</a:t>
+            </a:r>
+          </a:p>
+          <a:p>
+            <a:r>
+              <a:rPr lang="fr-CA" sz="1100" dirty="0" smtClean="0"/>
+              <a:t>pentes 1-2: L1=2.293037, L2=2.222791, </a:t>
+            </a:r>
+            <a:r>
+              <a:rPr lang="fr-CA" sz="1100" dirty="0" err="1" smtClean="0"/>
+              <a:t>Linf</a:t>
+            </a:r>
+            <a:r>
+              <a:rPr lang="fr-CA" sz="1100" dirty="0" smtClean="0"/>
+              <a:t>=2.122932</a:t>
+            </a:r>
+          </a:p>
+          <a:p>
+            <a:r>
+              <a:rPr lang="fr-CA" sz="1100" dirty="0" smtClean="0">
+                <a:solidFill>
+                  <a:srgbClr val="FF0000"/>
+                </a:solidFill>
+              </a:rPr>
+              <a:t>pentes 2-3: L1=2.049271, L2=2.013537, </a:t>
+            </a:r>
+            <a:r>
+              <a:rPr lang="fr-CA" sz="1100" dirty="0" err="1" smtClean="0">
+                <a:solidFill>
+                  <a:srgbClr val="FF0000"/>
+                </a:solidFill>
+              </a:rPr>
+              <a:t>Linf</a:t>
+            </a:r>
+            <a:r>
+              <a:rPr lang="fr-CA" sz="1100" dirty="0" smtClean="0">
+                <a:solidFill>
+                  <a:srgbClr val="FF0000"/>
+                </a:solidFill>
+              </a:rPr>
+              <a:t>=1.977311</a:t>
+            </a:r>
+          </a:p>
+          <a:p>
+            <a:r>
+              <a:rPr lang="fr-CA" sz="1100" dirty="0" smtClean="0"/>
+              <a:t>pentes 3-4: L1=1.984739, L2=2.002049, </a:t>
+            </a:r>
+            <a:r>
+              <a:rPr lang="fr-CA" sz="1100" dirty="0" err="1" smtClean="0"/>
+              <a:t>Linf</a:t>
+            </a:r>
+            <a:r>
+              <a:rPr lang="fr-CA" sz="1100" dirty="0" smtClean="0"/>
+              <a:t>=2.017040</a:t>
+            </a:r>
+          </a:p>
+          <a:p>
+            <a:r>
+              <a:rPr lang="fr-CA" sz="1100" dirty="0" smtClean="0"/>
+              <a:t>pentes 4-5: L1=2.028214, L2=2.041472, </a:t>
+            </a:r>
+            <a:r>
+              <a:rPr lang="fr-CA" sz="1100" dirty="0" err="1" smtClean="0"/>
+              <a:t>Linf</a:t>
+            </a:r>
+            <a:r>
+              <a:rPr lang="fr-CA" sz="1100" dirty="0" smtClean="0"/>
+              <a:t>=2.036549</a:t>
+            </a:r>
+          </a:p>
+          <a:p>
+            <a:r>
+              <a:rPr lang="fr-CA" sz="1100" dirty="0" smtClean="0"/>
+              <a:t>pentes 5-6: L1=2.078555, L2=2.153455, </a:t>
+            </a:r>
+            <a:r>
+              <a:rPr lang="fr-CA" sz="1100" dirty="0" err="1" smtClean="0"/>
+              <a:t>Linf</a:t>
+            </a:r>
+            <a:r>
+              <a:rPr lang="fr-CA" sz="1100" dirty="0" smtClean="0"/>
+              <a:t>=2.144497</a:t>
+            </a:r>
+          </a:p>
+          <a:p>
+            <a:endParaRPr lang="fr-CA" sz="1100" dirty="0" smtClean="0"/>
+          </a:p>
+          <a:p>
+            <a:r>
+              <a:rPr lang="fr-CA" sz="1100" u="sng" dirty="0" smtClean="0"/>
+              <a:t>Note</a:t>
+            </a:r>
+            <a:r>
+              <a:rPr lang="fr-CA" sz="1100" dirty="0" smtClean="0"/>
+              <a:t>: </a:t>
+            </a:r>
+            <a:endParaRPr lang="fr-CA" sz="1100" dirty="0" smtClean="0"/>
+          </a:p>
+          <a:p>
+            <a:endParaRPr lang="fr-CA" dirty="0" smtClean="0"/>
+          </a:p>
+          <a:p>
+            <a:pPr marL="342900" indent="-342900"/>
+            <a:endParaRPr lang="fr-CA" dirty="0" smtClean="0"/>
+          </a:p>
+        </p:txBody>
+      </p:sp>
+      <p:graphicFrame>
+        <p:nvGraphicFramePr>
+          <p:cNvPr id="22538" name="Object 10"/>
+          <p:cNvGraphicFramePr>
+            <a:graphicFrameLocks noChangeAspect="1"/>
+          </p:cNvGraphicFramePr>
+          <p:nvPr/>
+        </p:nvGraphicFramePr>
+        <p:xfrm>
+          <a:off x="3511550" y="3182938"/>
+          <a:ext cx="179388" cy="266700"/>
+        </p:xfrm>
+        <a:graphic>
+          <a:graphicData uri="http://schemas.openxmlformats.org/presentationml/2006/ole">
+            <p:oleObj spid="_x0000_s32770" name="Equation" r:id="rId4" imgW="126720" imgH="190440" progId="Equation.DSMT4">
+              <p:embed/>
+            </p:oleObj>
+          </a:graphicData>
+        </a:graphic>
+      </p:graphicFrame>
+      <p:graphicFrame>
+        <p:nvGraphicFramePr>
+          <p:cNvPr id="22539" name="Object 11"/>
+          <p:cNvGraphicFramePr>
+            <a:graphicFrameLocks noChangeAspect="1"/>
+          </p:cNvGraphicFramePr>
+          <p:nvPr/>
+        </p:nvGraphicFramePr>
+        <p:xfrm>
+          <a:off x="3503613" y="3921125"/>
+          <a:ext cx="177800" cy="266700"/>
+        </p:xfrm>
+        <a:graphic>
+          <a:graphicData uri="http://schemas.openxmlformats.org/presentationml/2006/ole">
+            <p:oleObj spid="_x0000_s32771" name="Equation" r:id="rId5" imgW="126720" imgH="190440" progId="Equation.DSMT4">
+              <p:embed/>
+            </p:oleObj>
+          </a:graphicData>
+        </a:graphic>
+      </p:graphicFrame>
+      <p:sp>
+        <p:nvSpPr>
+          <p:cNvPr id="14" name="ZoneTexte 13"/>
+          <p:cNvSpPr txBox="1"/>
+          <p:nvPr/>
+        </p:nvSpPr>
+        <p:spPr>
+          <a:xfrm>
+            <a:off x="1307783" y="2127349"/>
+            <a:ext cx="4183380" cy="646331"/>
+          </a:xfrm>
+          <a:prstGeom prst="rect">
+            <a:avLst/>
+          </a:prstGeom>
+          <a:noFill/>
+          <a:ln w="15875">
+            <a:solidFill>
+              <a:schemeClr val="tx1"/>
+            </a:solidFill>
+          </a:ln>
+        </p:spPr>
+        <p:txBody>
+          <a:bodyPr wrap="square" rtlCol="0">
+            <a:spAutoFit/>
+          </a:bodyPr>
+          <a:lstStyle/>
+          <a:p>
+            <a:r>
+              <a:rPr lang="fr-FR" dirty="0" smtClean="0"/>
+              <a:t>L’ordre de convergence observé atteint l’ordre de convergence formel (ordre </a:t>
+            </a:r>
+            <a:r>
+              <a:rPr lang="fr-FR" dirty="0" smtClean="0"/>
+              <a:t>2)</a:t>
+            </a:r>
+            <a:endParaRPr lang="en-US" dirty="0"/>
+          </a:p>
+        </p:txBody>
+      </p:sp>
+      <p:graphicFrame>
+        <p:nvGraphicFramePr>
+          <p:cNvPr id="32775" name="Object 7"/>
+          <p:cNvGraphicFramePr>
+            <a:graphicFrameLocks noChangeAspect="1"/>
+          </p:cNvGraphicFramePr>
+          <p:nvPr/>
+        </p:nvGraphicFramePr>
+        <p:xfrm>
+          <a:off x="916292" y="4600416"/>
+          <a:ext cx="874712" cy="496887"/>
+        </p:xfrm>
+        <a:graphic>
+          <a:graphicData uri="http://schemas.openxmlformats.org/presentationml/2006/ole">
+            <p:oleObj spid="_x0000_s32775" name="Equation" r:id="rId6" imgW="622080" imgH="355320" progId="Equation.DSMT4">
+              <p:embed/>
+            </p:oleObj>
+          </a:graphicData>
+        </a:graphic>
+      </p:graphicFrame>
+      <p:pic>
+        <p:nvPicPr>
+          <p:cNvPr id="32776" name="Picture 8"/>
+          <p:cNvPicPr>
+            <a:picLocks noChangeAspect="1" noChangeArrowheads="1"/>
+          </p:cNvPicPr>
+          <p:nvPr/>
+        </p:nvPicPr>
+        <p:blipFill>
+          <a:blip r:embed="rId7"/>
+          <a:srcRect/>
+          <a:stretch>
+            <a:fillRect/>
+          </a:stretch>
+        </p:blipFill>
+        <p:spPr bwMode="auto">
+          <a:xfrm>
+            <a:off x="6029325" y="1925637"/>
+            <a:ext cx="5324475" cy="3990975"/>
+          </a:xfrm>
+          <a:prstGeom prst="rect">
+            <a:avLst/>
+          </a:prstGeom>
+          <a:noFill/>
+          <a:ln w="9525">
+            <a:noFill/>
+            <a:miter lim="800000"/>
+            <a:headEnd/>
+            <a:tailEnd/>
+          </a:ln>
+          <a:effectLst/>
+        </p:spPr>
+      </p:pic>
+    </p:spTree>
+  </p:cSld>
+  <p:clrMapOvr>
+    <a:masterClrMapping/>
+  </p:clrMapOvr>
+</p:sld>
+</file>
+
+<file path=ppt/slides/slide7.xml><?xml version="1.0" encoding="utf-8"?>
+<p:sld xmlns:a="http://schemas.openxmlformats.org/drawingml/2006/main" xmlns:r="http://schemas.openxmlformats.org/officeDocument/2006/relationships" xmlns:p="http://schemas.openxmlformats.org/presentationml/2006/main">
+  <p:cSld>
+    <p:spTree>
+      <p:nvGrpSpPr>
+        <p:cNvPr id="1" name=""/>
+        <p:cNvGrpSpPr/>
+        <p:nvPr/>
+      </p:nvGrpSpPr>
+      <p:grpSpPr>
+        <a:xfrm>
+          <a:off x="0" y="0"/>
+          <a:ext cx="0" cy="0"/>
+          <a:chOff x="0" y="0"/>
+          <a:chExt cx="0" cy="0"/>
+        </a:xfrm>
+      </p:grpSpPr>
+      <p:pic>
+        <p:nvPicPr>
+          <p:cNvPr id="15" name="Picture 4" descr="142,845 Check Mark Stock Photos, Pictures &amp; Royalty-Free Images - iStock"/>
+          <p:cNvPicPr>
+            <a:picLocks noChangeAspect="1" noChangeArrowheads="1"/>
+          </p:cNvPicPr>
+          <p:nvPr/>
+        </p:nvPicPr>
+        <p:blipFill>
+          <a:blip r:embed="rId3"/>
+          <a:srcRect/>
+          <a:stretch>
+            <a:fillRect/>
+          </a:stretch>
+        </p:blipFill>
+        <p:spPr bwMode="auto">
+          <a:xfrm>
+            <a:off x="430530" y="1920875"/>
+            <a:ext cx="1043940" cy="1043940"/>
+          </a:xfrm>
+          <a:prstGeom prst="rect">
+            <a:avLst/>
+          </a:prstGeom>
+          <a:noFill/>
+        </p:spPr>
+      </p:pic>
+      <p:sp>
+        <p:nvSpPr>
+          <p:cNvPr id="2" name="Titre 1"/>
+          <p:cNvSpPr>
+            <a:spLocks noGrp="1"/>
+          </p:cNvSpPr>
+          <p:nvPr>
+            <p:ph type="title"/>
+          </p:nvPr>
+        </p:nvSpPr>
+        <p:spPr>
+          <a:xfrm>
+            <a:off x="1399368" y="743919"/>
+            <a:ext cx="9230532" cy="588935"/>
+          </a:xfrm>
+        </p:spPr>
+        <p:txBody>
+          <a:bodyPr/>
+          <a:lstStyle/>
+          <a:p>
+            <a:r>
+              <a:rPr lang="fr-CA" cap="all" dirty="0" smtClean="0"/>
+              <a:t>B) MÉTHODE DES SOLUTIONS MANUFACTURÉES </a:t>
+            </a:r>
+            <a:r>
+              <a:rPr lang="fr-CA" cap="all" dirty="0" smtClean="0"/>
+              <a:t>(SUITE)</a:t>
+            </a:r>
+            <a:endParaRPr lang="fr-CA" cap="all" dirty="0"/>
+          </a:p>
+        </p:txBody>
+      </p:sp>
+      <p:sp>
+        <p:nvSpPr>
+          <p:cNvPr id="8" name="Espace réservé de la date 2"/>
+          <p:cNvSpPr txBox="1">
+            <a:spLocks/>
+          </p:cNvSpPr>
+          <p:nvPr/>
+        </p:nvSpPr>
+        <p:spPr>
+          <a:xfrm>
+            <a:off x="952500" y="6504501"/>
+            <a:ext cx="11198817" cy="323420"/>
+          </a:xfrm>
+          <a:prstGeom prst="rect">
+            <a:avLst/>
+          </a:prstGeom>
+        </p:spPr>
+        <p:txBody>
+          <a:bodyPr vert="horz" lIns="91440" tIns="45720" rIns="91440" bIns="45720" rtlCol="0" anchor="ctr"/>
+          <a:lstStyle/>
+          <a:p>
+            <a:pPr marL="0" marR="0" lvl="0" indent="0" algn="ctr" defTabSz="914400" rtl="0" eaLnBrk="1" fontAlgn="auto" latinLnBrk="0" hangingPunct="1">
+              <a:lnSpc>
+                <a:spcPct val="100000"/>
+              </a:lnSpc>
+              <a:spcBef>
+                <a:spcPts val="0"/>
+              </a:spcBef>
+              <a:spcAft>
+                <a:spcPts val="0"/>
+              </a:spcAft>
+              <a:buClrTx/>
+              <a:buSzTx/>
+              <a:buFontTx/>
+              <a:buNone/>
+              <a:tabLst/>
+              <a:defRPr/>
+            </a:pPr>
+            <a:r>
+              <a:rPr kumimoji="0" lang="fr-FR" sz="1200" b="0" i="0" u="none" strike="noStrike" kern="1200" cap="none" spc="0" normalizeH="0" baseline="0" noProof="0" dirty="0" smtClean="0">
+                <a:ln>
+                  <a:noFill/>
+                </a:ln>
+                <a:solidFill>
+                  <a:schemeClr val="tx1">
+                    <a:tint val="75000"/>
+                  </a:schemeClr>
+                </a:solidFill>
+                <a:effectLst/>
+                <a:uLnTx/>
+                <a:uFillTx/>
+                <a:latin typeface="Arial" charset="0"/>
+                <a:ea typeface="Arial" charset="0"/>
+                <a:cs typeface="Arial" charset="0"/>
+              </a:rPr>
+              <a:t>MEC8211 – Vérification et validation en modélisation numérique</a:t>
+            </a:r>
+            <a:endParaRPr kumimoji="0" lang="fr-FR" sz="1200" b="0" i="0" u="none" strike="noStrike" kern="1200" cap="none" spc="0" normalizeH="0" baseline="0" noProof="0" dirty="0">
+              <a:ln>
+                <a:noFill/>
+              </a:ln>
+              <a:solidFill>
+                <a:schemeClr val="tx1">
+                  <a:tint val="75000"/>
+                </a:schemeClr>
+              </a:solidFill>
+              <a:effectLst/>
+              <a:uLnTx/>
+              <a:uFillTx/>
+              <a:latin typeface="Arial" charset="0"/>
+              <a:ea typeface="Arial" charset="0"/>
+              <a:cs typeface="Arial" charset="0"/>
+            </a:endParaRPr>
+          </a:p>
+        </p:txBody>
+      </p:sp>
+      <p:sp>
+        <p:nvSpPr>
+          <p:cNvPr id="9" name="Espace réservé du numéro de diapositive 3"/>
+          <p:cNvSpPr txBox="1">
+            <a:spLocks/>
+          </p:cNvSpPr>
+          <p:nvPr/>
+        </p:nvSpPr>
+        <p:spPr>
+          <a:xfrm>
+            <a:off x="11584338" y="6473505"/>
+            <a:ext cx="566979" cy="354416"/>
+          </a:xfrm>
+          <a:prstGeom prst="rect">
+            <a:avLst/>
+          </a:prstGeom>
+        </p:spPr>
+        <p:txBody>
+          <a:bodyPr vert="horz" lIns="91440" tIns="45720" rIns="91440" bIns="45720" rtlCol="0" anchor="ctr"/>
+          <a:lstStyle/>
+          <a:p>
+            <a:pPr marL="0" marR="0" lvl="0" indent="0" algn="r" defTabSz="914400" rtl="0" eaLnBrk="1" fontAlgn="auto" latinLnBrk="0" hangingPunct="1">
+              <a:lnSpc>
+                <a:spcPct val="100000"/>
+              </a:lnSpc>
+              <a:spcBef>
+                <a:spcPts val="0"/>
+              </a:spcBef>
+              <a:spcAft>
+                <a:spcPts val="0"/>
+              </a:spcAft>
+              <a:buClrTx/>
+              <a:buSzTx/>
+              <a:buFontTx/>
+              <a:buNone/>
+              <a:tabLst/>
+              <a:defRPr/>
+            </a:pPr>
+            <a:r>
+              <a:rPr lang="fr-FR" sz="1200" dirty="0" smtClean="0">
+                <a:solidFill>
+                  <a:schemeClr val="tx1">
+                    <a:tint val="75000"/>
+                  </a:schemeClr>
+                </a:solidFill>
+                <a:latin typeface="Arial" charset="0"/>
+                <a:ea typeface="Arial" charset="0"/>
+                <a:cs typeface="Arial" charset="0"/>
+              </a:rPr>
+              <a:t>X</a:t>
+            </a:r>
+            <a:endParaRPr kumimoji="0" lang="fr-FR" sz="1200" b="0" i="0" u="none" strike="noStrike" kern="1200" cap="none" spc="0" normalizeH="0" baseline="0" noProof="0" dirty="0">
+              <a:ln>
+                <a:noFill/>
+              </a:ln>
+              <a:solidFill>
+                <a:schemeClr val="tx1">
+                  <a:tint val="75000"/>
+                </a:schemeClr>
+              </a:solidFill>
+              <a:effectLst/>
+              <a:uLnTx/>
+              <a:uFillTx/>
+              <a:latin typeface="Arial" charset="0"/>
+              <a:ea typeface="Arial" charset="0"/>
+              <a:cs typeface="Arial" charset="0"/>
+            </a:endParaRPr>
+          </a:p>
+        </p:txBody>
+      </p:sp>
+      <p:cxnSp>
+        <p:nvCxnSpPr>
+          <p:cNvPr id="11" name="Connecteur droit 10"/>
+          <p:cNvCxnSpPr/>
+          <p:nvPr/>
+        </p:nvCxnSpPr>
+        <p:spPr>
+          <a:xfrm>
+            <a:off x="388620" y="1332854"/>
+            <a:ext cx="10965180" cy="0"/>
+          </a:xfrm>
+          <a:prstGeom prst="line">
+            <a:avLst/>
+          </a:prstGeom>
+          <a:ln w="12700">
+            <a:solidFill>
+              <a:srgbClr val="C41A1A"/>
+            </a:solidFill>
+          </a:ln>
+        </p:spPr>
+        <p:style>
+          <a:lnRef idx="1">
+            <a:schemeClr val="accent1"/>
+          </a:lnRef>
+          <a:fillRef idx="0">
+            <a:schemeClr val="accent1"/>
+          </a:fillRef>
+          <a:effectRef idx="0">
+            <a:schemeClr val="accent1"/>
+          </a:effectRef>
+          <a:fontRef idx="minor">
+            <a:schemeClr val="tx1"/>
+          </a:fontRef>
+        </p:style>
+      </p:cxnSp>
+      <p:sp>
+        <p:nvSpPr>
+          <p:cNvPr id="12" name="ZoneTexte 11"/>
+          <p:cNvSpPr txBox="1"/>
+          <p:nvPr/>
+        </p:nvSpPr>
+        <p:spPr>
+          <a:xfrm>
+            <a:off x="431483" y="1517520"/>
+            <a:ext cx="5313997" cy="4078039"/>
+          </a:xfrm>
+          <a:prstGeom prst="rect">
+            <a:avLst/>
+          </a:prstGeom>
+          <a:noFill/>
+        </p:spPr>
+        <p:txBody>
+          <a:bodyPr wrap="square" rtlCol="0">
+            <a:spAutoFit/>
+          </a:bodyPr>
+          <a:lstStyle/>
+          <a:p>
+            <a:r>
+              <a:rPr lang="fr-CA" b="1" u="sng" dirty="0" smtClean="0"/>
+              <a:t>Convergence temporelle</a:t>
+            </a:r>
+            <a:r>
+              <a:rPr lang="fr-CA" dirty="0" smtClean="0"/>
+              <a:t>:</a:t>
+            </a:r>
+          </a:p>
+          <a:p>
+            <a:endParaRPr lang="fr-CA" dirty="0" smtClean="0"/>
+          </a:p>
+          <a:p>
+            <a:endParaRPr lang="fr-CA" sz="1100" b="1" dirty="0" smtClean="0">
+              <a:solidFill>
+                <a:srgbClr val="FF0000"/>
+              </a:solidFill>
+            </a:endParaRPr>
+          </a:p>
+          <a:p>
+            <a:endParaRPr lang="fr-CA" sz="1100" b="1" dirty="0" smtClean="0">
+              <a:solidFill>
+                <a:srgbClr val="FF0000"/>
+              </a:solidFill>
+            </a:endParaRPr>
+          </a:p>
+          <a:p>
+            <a:endParaRPr lang="fr-CA" sz="1100" b="1" dirty="0" smtClean="0">
+              <a:solidFill>
+                <a:srgbClr val="FF0000"/>
+              </a:solidFill>
+            </a:endParaRPr>
+          </a:p>
+          <a:p>
+            <a:endParaRPr lang="fr-CA" sz="1100" b="1" dirty="0" smtClean="0">
+              <a:solidFill>
+                <a:srgbClr val="FF0000"/>
+              </a:solidFill>
+            </a:endParaRPr>
+          </a:p>
+          <a:p>
+            <a:endParaRPr lang="fr-CA" sz="1100" b="1" dirty="0" smtClean="0">
+              <a:solidFill>
+                <a:srgbClr val="FF0000"/>
+              </a:solidFill>
+            </a:endParaRPr>
+          </a:p>
+          <a:p>
+            <a:r>
+              <a:rPr lang="fr-CA" sz="1100" b="1" dirty="0" err="1" smtClean="0">
+                <a:solidFill>
+                  <a:srgbClr val="FF0000"/>
+                </a:solidFill>
+              </a:rPr>
+              <a:t>Matlab</a:t>
+            </a:r>
+            <a:r>
+              <a:rPr lang="fr-CA" sz="1100" b="1" dirty="0" smtClean="0">
+                <a:solidFill>
+                  <a:srgbClr val="FF0000"/>
+                </a:solidFill>
+              </a:rPr>
+              <a:t>:</a:t>
+            </a:r>
+            <a:r>
+              <a:rPr lang="fr-CA" sz="1100" dirty="0" smtClean="0"/>
+              <a:t> 10 nœuds, 6 raffinements pour </a:t>
+            </a:r>
+            <a:r>
+              <a:rPr lang="fr-CA" sz="1100" i="1" dirty="0" err="1" smtClean="0"/>
+              <a:t>dt</a:t>
+            </a:r>
+            <a:r>
+              <a:rPr lang="fr-CA" sz="1100" dirty="0" smtClean="0"/>
+              <a:t>, pas de temps initial de 0.001 an, nombre initial de pas de temps de 20.</a:t>
+            </a:r>
+          </a:p>
+          <a:p>
+            <a:endParaRPr lang="fr-CA" sz="1100" dirty="0" smtClean="0"/>
+          </a:p>
+          <a:p>
+            <a:r>
+              <a:rPr lang="fr-CA" sz="1100" dirty="0" smtClean="0"/>
+              <a:t>&gt;&gt; </a:t>
+            </a:r>
+            <a:r>
+              <a:rPr lang="fr-CA" sz="1100" b="1" dirty="0" err="1" smtClean="0"/>
+              <a:t>FickVerifTemporelMMS</a:t>
+            </a:r>
+            <a:r>
+              <a:rPr lang="fr-CA" sz="1100" dirty="0" smtClean="0"/>
+              <a:t>(10,6,0.001,20</a:t>
+            </a:r>
+            <a:r>
+              <a:rPr lang="fr-CA" sz="1100" dirty="0" smtClean="0"/>
+              <a:t>)</a:t>
+            </a:r>
+          </a:p>
+          <a:p>
+            <a:r>
+              <a:rPr lang="fr-CA" sz="1100" dirty="0" smtClean="0"/>
+              <a:t>pentes 1-2: L1=0.756780, L2=0.756797, </a:t>
+            </a:r>
+            <a:r>
+              <a:rPr lang="fr-CA" sz="1100" dirty="0" err="1" smtClean="0"/>
+              <a:t>Linf</a:t>
+            </a:r>
+            <a:r>
+              <a:rPr lang="fr-CA" sz="1100" dirty="0" smtClean="0"/>
+              <a:t>=0.756029</a:t>
+            </a:r>
+          </a:p>
+          <a:p>
+            <a:r>
+              <a:rPr lang="fr-CA" sz="1100" dirty="0" smtClean="0"/>
+              <a:t>pentes 2-3: L1=0.874392, L2=0.874425, </a:t>
+            </a:r>
+            <a:r>
+              <a:rPr lang="fr-CA" sz="1100" dirty="0" err="1" smtClean="0"/>
+              <a:t>Linf</a:t>
+            </a:r>
+            <a:r>
+              <a:rPr lang="fr-CA" sz="1100" dirty="0" smtClean="0"/>
+              <a:t>=0.872855</a:t>
+            </a:r>
+          </a:p>
+          <a:p>
+            <a:r>
+              <a:rPr lang="fr-CA" sz="1100" dirty="0" smtClean="0"/>
+              <a:t>pentes 3-4: L1=0.939901, L2=0.939947, </a:t>
+            </a:r>
+            <a:r>
+              <a:rPr lang="fr-CA" sz="1100" dirty="0" err="1" smtClean="0"/>
+              <a:t>Linf</a:t>
+            </a:r>
+            <a:r>
+              <a:rPr lang="fr-CA" sz="1100" dirty="0" smtClean="0"/>
+              <a:t>=0.936795</a:t>
+            </a:r>
+          </a:p>
+          <a:p>
+            <a:r>
+              <a:rPr lang="fr-CA" sz="1100" dirty="0" smtClean="0"/>
+              <a:t>pentes 4-5: L1=0.974713, L2=0.974726, </a:t>
+            </a:r>
+            <a:r>
+              <a:rPr lang="fr-CA" sz="1100" dirty="0" err="1" smtClean="0"/>
+              <a:t>Linf</a:t>
+            </a:r>
+            <a:r>
+              <a:rPr lang="fr-CA" sz="1100" dirty="0" smtClean="0"/>
+              <a:t>=0.968469</a:t>
+            </a:r>
+          </a:p>
+          <a:p>
+            <a:r>
+              <a:rPr lang="fr-CA" sz="1100" dirty="0" smtClean="0">
+                <a:solidFill>
+                  <a:srgbClr val="FF0000"/>
+                </a:solidFill>
+              </a:rPr>
+              <a:t>pentes 5-6: L1=0.996079, L2=0.995776, </a:t>
+            </a:r>
+            <a:r>
+              <a:rPr lang="fr-CA" sz="1100" dirty="0" err="1" smtClean="0">
+                <a:solidFill>
+                  <a:srgbClr val="FF0000"/>
+                </a:solidFill>
+              </a:rPr>
+              <a:t>Linf</a:t>
+            </a:r>
+            <a:r>
+              <a:rPr lang="fr-CA" sz="1100" dirty="0" smtClean="0">
+                <a:solidFill>
+                  <a:srgbClr val="FF0000"/>
+                </a:solidFill>
+              </a:rPr>
+              <a:t>=0.983517</a:t>
+            </a:r>
+          </a:p>
+          <a:p>
+            <a:r>
+              <a:rPr lang="fr-CA" sz="1100" dirty="0" smtClean="0"/>
+              <a:t>pentes 6-7: L1=1.015409, L2=1.013415, </a:t>
+            </a:r>
+            <a:r>
+              <a:rPr lang="fr-CA" sz="1100" dirty="0" err="1" smtClean="0"/>
+              <a:t>Linf</a:t>
+            </a:r>
+            <a:r>
+              <a:rPr lang="fr-CA" sz="1100" dirty="0" smtClean="0"/>
+              <a:t>=0.990011</a:t>
+            </a:r>
+            <a:endParaRPr lang="fr-CA" sz="1100" dirty="0" smtClean="0"/>
+          </a:p>
+          <a:p>
+            <a:endParaRPr lang="fr-CA" sz="1100" dirty="0" smtClean="0"/>
+          </a:p>
+          <a:p>
+            <a:r>
+              <a:rPr lang="fr-CA" sz="1100" u="sng" dirty="0" smtClean="0"/>
+              <a:t>Note</a:t>
+            </a:r>
+            <a:r>
+              <a:rPr lang="fr-CA" sz="1100" dirty="0" smtClean="0"/>
+              <a:t>: </a:t>
+            </a:r>
+            <a:endParaRPr lang="fr-CA" sz="1100" dirty="0" smtClean="0"/>
+          </a:p>
+          <a:p>
+            <a:endParaRPr lang="fr-CA" dirty="0" smtClean="0"/>
+          </a:p>
+          <a:p>
+            <a:pPr marL="342900" indent="-342900"/>
+            <a:endParaRPr lang="fr-CA" dirty="0" smtClean="0"/>
+          </a:p>
+        </p:txBody>
+      </p:sp>
+      <p:graphicFrame>
+        <p:nvGraphicFramePr>
+          <p:cNvPr id="22538" name="Object 10"/>
+          <p:cNvGraphicFramePr>
+            <a:graphicFrameLocks noChangeAspect="1"/>
+          </p:cNvGraphicFramePr>
+          <p:nvPr/>
+        </p:nvGraphicFramePr>
+        <p:xfrm>
+          <a:off x="3511550" y="3182938"/>
+          <a:ext cx="179388" cy="266700"/>
+        </p:xfrm>
+        <a:graphic>
+          <a:graphicData uri="http://schemas.openxmlformats.org/presentationml/2006/ole">
+            <p:oleObj spid="_x0000_s33794" name="Equation" r:id="rId4" imgW="126720" imgH="190440" progId="Equation.DSMT4">
+              <p:embed/>
+            </p:oleObj>
+          </a:graphicData>
+        </a:graphic>
+      </p:graphicFrame>
+      <p:graphicFrame>
+        <p:nvGraphicFramePr>
+          <p:cNvPr id="22539" name="Object 11"/>
+          <p:cNvGraphicFramePr>
+            <a:graphicFrameLocks noChangeAspect="1"/>
+          </p:cNvGraphicFramePr>
+          <p:nvPr/>
+        </p:nvGraphicFramePr>
+        <p:xfrm>
+          <a:off x="3503613" y="3921125"/>
+          <a:ext cx="177800" cy="266700"/>
+        </p:xfrm>
+        <a:graphic>
+          <a:graphicData uri="http://schemas.openxmlformats.org/presentationml/2006/ole">
+            <p:oleObj spid="_x0000_s33795" name="Equation" r:id="rId5" imgW="126720" imgH="190440" progId="Equation.DSMT4">
+              <p:embed/>
+            </p:oleObj>
+          </a:graphicData>
+        </a:graphic>
+      </p:graphicFrame>
+      <p:sp>
+        <p:nvSpPr>
+          <p:cNvPr id="14" name="ZoneTexte 13"/>
+          <p:cNvSpPr txBox="1"/>
+          <p:nvPr/>
+        </p:nvSpPr>
+        <p:spPr>
+          <a:xfrm>
+            <a:off x="1307783" y="2127349"/>
+            <a:ext cx="4183380" cy="646331"/>
+          </a:xfrm>
+          <a:prstGeom prst="rect">
+            <a:avLst/>
+          </a:prstGeom>
+          <a:noFill/>
+          <a:ln w="15875">
+            <a:solidFill>
+              <a:schemeClr val="tx1"/>
+            </a:solidFill>
+          </a:ln>
+        </p:spPr>
+        <p:txBody>
+          <a:bodyPr wrap="square" rtlCol="0">
+            <a:spAutoFit/>
+          </a:bodyPr>
+          <a:lstStyle/>
+          <a:p>
+            <a:r>
+              <a:rPr lang="fr-FR" dirty="0" smtClean="0"/>
+              <a:t>L’ordre de convergence observé atteint l’ordre de convergence formel (ordre </a:t>
+            </a:r>
+            <a:r>
+              <a:rPr lang="fr-FR" dirty="0" smtClean="0"/>
+              <a:t>1)</a:t>
+            </a:r>
+            <a:endParaRPr lang="en-US" dirty="0"/>
+          </a:p>
+        </p:txBody>
+      </p:sp>
+      <p:graphicFrame>
+        <p:nvGraphicFramePr>
+          <p:cNvPr id="33800" name="Object 8"/>
+          <p:cNvGraphicFramePr>
+            <a:graphicFrameLocks noChangeAspect="1"/>
+          </p:cNvGraphicFramePr>
+          <p:nvPr/>
+        </p:nvGraphicFramePr>
+        <p:xfrm>
+          <a:off x="915988" y="4752975"/>
+          <a:ext cx="874712" cy="496888"/>
+        </p:xfrm>
+        <a:graphic>
+          <a:graphicData uri="http://schemas.openxmlformats.org/presentationml/2006/ole">
+            <p:oleObj spid="_x0000_s33800" name="Equation" r:id="rId6" imgW="622080" imgH="355320" progId="Equation.DSMT4">
+              <p:embed/>
+            </p:oleObj>
+          </a:graphicData>
+        </a:graphic>
+      </p:graphicFrame>
+      <p:pic>
+        <p:nvPicPr>
+          <p:cNvPr id="33802" name="Picture 10"/>
+          <p:cNvPicPr>
+            <a:picLocks noChangeAspect="1" noChangeArrowheads="1"/>
+          </p:cNvPicPr>
+          <p:nvPr/>
+        </p:nvPicPr>
+        <p:blipFill>
+          <a:blip r:embed="rId7"/>
+          <a:srcRect/>
+          <a:stretch>
+            <a:fillRect/>
+          </a:stretch>
+        </p:blipFill>
+        <p:spPr bwMode="auto">
+          <a:xfrm>
+            <a:off x="6029325" y="1790783"/>
+            <a:ext cx="5324475" cy="3990975"/>
+          </a:xfrm>
+          <a:prstGeom prst="rect">
+            <a:avLst/>
+          </a:prstGeom>
+          <a:noFill/>
+          <a:ln w="9525">
+            <a:noFill/>
+            <a:miter lim="800000"/>
+            <a:headEnd/>
+            <a:tailEnd/>
+          </a:ln>
+          <a:effectLst/>
+        </p:spPr>
+      </p:pic>
+    </p:spTree>
+  </p:cSld>
+  <p:clrMapOvr>
+    <a:masterClrMapping/>
+  </p:clrMapOvr>
+</p:sld>
+</file>
+
+<file path=ppt/slides/slide8.xml><?xml version="1.0" encoding="utf-8"?>
+<p:sld xmlns:a="http://schemas.openxmlformats.org/drawingml/2006/main" xmlns:r="http://schemas.openxmlformats.org/officeDocument/2006/relationships" xmlns:p="http://schemas.openxmlformats.org/presentationml/2006/main">
+  <p:cSld>
+    <p:spTree>
+      <p:nvGrpSpPr>
+        <p:cNvPr id="1" name=""/>
+        <p:cNvGrpSpPr/>
+        <p:nvPr/>
+      </p:nvGrpSpPr>
+      <p:grpSpPr>
+        <a:xfrm>
+          <a:off x="0" y="0"/>
+          <a:ext cx="0" cy="0"/>
+          <a:chOff x="0" y="0"/>
+          <a:chExt cx="0" cy="0"/>
+        </a:xfrm>
+      </p:grpSpPr>
+      <p:sp>
+        <p:nvSpPr>
+          <p:cNvPr id="2" name="Titre 1"/>
+          <p:cNvSpPr>
+            <a:spLocks noGrp="1"/>
+          </p:cNvSpPr>
+          <p:nvPr>
+            <p:ph type="title"/>
+          </p:nvPr>
+        </p:nvSpPr>
+        <p:spPr>
+          <a:xfrm>
+            <a:off x="1399368" y="743919"/>
+            <a:ext cx="9230532" cy="588935"/>
+          </a:xfrm>
+        </p:spPr>
+        <p:txBody>
+          <a:bodyPr/>
+          <a:lstStyle/>
+          <a:p>
+            <a:r>
+              <a:rPr lang="fr-CA" cap="all" dirty="0" smtClean="0"/>
+              <a:t>C) CONCLUSION</a:t>
+            </a:r>
+            <a:endParaRPr lang="fr-CA" cap="all" dirty="0"/>
+          </a:p>
+        </p:txBody>
+      </p:sp>
+      <p:sp>
+        <p:nvSpPr>
+          <p:cNvPr id="8" name="Espace réservé de la date 2"/>
+          <p:cNvSpPr txBox="1">
+            <a:spLocks/>
+          </p:cNvSpPr>
+          <p:nvPr/>
+        </p:nvSpPr>
+        <p:spPr>
+          <a:xfrm>
+            <a:off x="952500" y="6504501"/>
+            <a:ext cx="11198817" cy="323420"/>
+          </a:xfrm>
+          <a:prstGeom prst="rect">
+            <a:avLst/>
+          </a:prstGeom>
+        </p:spPr>
+        <p:txBody>
+          <a:bodyPr vert="horz" lIns="91440" tIns="45720" rIns="91440" bIns="45720" rtlCol="0" anchor="ctr"/>
+          <a:lstStyle/>
+          <a:p>
+            <a:pPr marL="0" marR="0" lvl="0" indent="0" algn="ctr" defTabSz="914400" rtl="0" eaLnBrk="1" fontAlgn="auto" latinLnBrk="0" hangingPunct="1">
+              <a:lnSpc>
+                <a:spcPct val="100000"/>
+              </a:lnSpc>
+              <a:spcBef>
+                <a:spcPts val="0"/>
+              </a:spcBef>
+              <a:spcAft>
+                <a:spcPts val="0"/>
+              </a:spcAft>
+              <a:buClrTx/>
+              <a:buSzTx/>
+              <a:buFontTx/>
+              <a:buNone/>
+              <a:tabLst/>
+              <a:defRPr/>
+            </a:pPr>
+            <a:r>
+              <a:rPr kumimoji="0" lang="fr-FR" sz="1200" b="0" i="0" u="none" strike="noStrike" kern="1200" cap="none" spc="0" normalizeH="0" baseline="0" noProof="0" dirty="0" smtClean="0">
+                <a:ln>
+                  <a:noFill/>
+                </a:ln>
+                <a:solidFill>
+                  <a:schemeClr val="tx1">
+                    <a:tint val="75000"/>
+                  </a:schemeClr>
+                </a:solidFill>
+                <a:effectLst/>
+                <a:uLnTx/>
+                <a:uFillTx/>
+                <a:latin typeface="Arial" charset="0"/>
+                <a:ea typeface="Arial" charset="0"/>
+                <a:cs typeface="Arial" charset="0"/>
+              </a:rPr>
+              <a:t>MEC8211 – Vérification et validation en modélisation numérique</a:t>
+            </a:r>
+            <a:endParaRPr kumimoji="0" lang="fr-FR" sz="1200" b="0" i="0" u="none" strike="noStrike" kern="1200" cap="none" spc="0" normalizeH="0" baseline="0" noProof="0" dirty="0">
+              <a:ln>
+                <a:noFill/>
+              </a:ln>
+              <a:solidFill>
+                <a:schemeClr val="tx1">
+                  <a:tint val="75000"/>
+                </a:schemeClr>
+              </a:solidFill>
+              <a:effectLst/>
+              <a:uLnTx/>
+              <a:uFillTx/>
+              <a:latin typeface="Arial" charset="0"/>
+              <a:ea typeface="Arial" charset="0"/>
+              <a:cs typeface="Arial" charset="0"/>
+            </a:endParaRPr>
+          </a:p>
+        </p:txBody>
+      </p:sp>
+      <p:sp>
+        <p:nvSpPr>
+          <p:cNvPr id="9" name="Espace réservé du numéro de diapositive 3"/>
+          <p:cNvSpPr txBox="1">
+            <a:spLocks/>
+          </p:cNvSpPr>
+          <p:nvPr/>
+        </p:nvSpPr>
+        <p:spPr>
+          <a:xfrm>
+            <a:off x="11584338" y="6473505"/>
+            <a:ext cx="566979" cy="354416"/>
+          </a:xfrm>
+          <a:prstGeom prst="rect">
+            <a:avLst/>
+          </a:prstGeom>
+        </p:spPr>
+        <p:txBody>
+          <a:bodyPr vert="horz" lIns="91440" tIns="45720" rIns="91440" bIns="45720" rtlCol="0" anchor="ctr"/>
+          <a:lstStyle/>
+          <a:p>
+            <a:pPr marL="0" marR="0" lvl="0" indent="0" algn="r" defTabSz="914400" rtl="0" eaLnBrk="1" fontAlgn="auto" latinLnBrk="0" hangingPunct="1">
+              <a:lnSpc>
+                <a:spcPct val="100000"/>
+              </a:lnSpc>
+              <a:spcBef>
+                <a:spcPts val="0"/>
+              </a:spcBef>
+              <a:spcAft>
+                <a:spcPts val="0"/>
+              </a:spcAft>
+              <a:buClrTx/>
+              <a:buSzTx/>
+              <a:buFontTx/>
+              <a:buNone/>
+              <a:tabLst/>
+              <a:defRPr/>
+            </a:pPr>
+            <a:r>
+              <a:rPr kumimoji="0" lang="fr-FR" sz="1200" b="0" i="0" u="none" strike="noStrike" kern="1200" cap="none" spc="0" normalizeH="0" baseline="0" noProof="0" dirty="0" smtClean="0">
+                <a:ln>
+                  <a:noFill/>
+                </a:ln>
+                <a:solidFill>
+                  <a:schemeClr val="tx1">
+                    <a:tint val="75000"/>
+                  </a:schemeClr>
+                </a:solidFill>
+                <a:effectLst/>
+                <a:uLnTx/>
+                <a:uFillTx/>
+                <a:latin typeface="Arial" charset="0"/>
+                <a:ea typeface="Arial" charset="0"/>
+                <a:cs typeface="Arial" charset="0"/>
+              </a:rPr>
+              <a:t>X</a:t>
+            </a:r>
+            <a:endParaRPr kumimoji="0" lang="fr-FR" sz="1200" b="0" i="0" u="none" strike="noStrike" kern="1200" cap="none" spc="0" normalizeH="0" baseline="0" noProof="0" dirty="0">
+              <a:ln>
+                <a:noFill/>
+              </a:ln>
+              <a:solidFill>
+                <a:schemeClr val="tx1">
+                  <a:tint val="75000"/>
+                </a:schemeClr>
+              </a:solidFill>
+              <a:effectLst/>
+              <a:uLnTx/>
+              <a:uFillTx/>
+              <a:latin typeface="Arial" charset="0"/>
+              <a:ea typeface="Arial" charset="0"/>
+              <a:cs typeface="Arial" charset="0"/>
+            </a:endParaRPr>
+          </a:p>
+        </p:txBody>
+      </p:sp>
+      <p:cxnSp>
+        <p:nvCxnSpPr>
+          <p:cNvPr id="11" name="Connecteur droit 10"/>
+          <p:cNvCxnSpPr/>
+          <p:nvPr/>
+        </p:nvCxnSpPr>
+        <p:spPr>
+          <a:xfrm>
+            <a:off x="388620" y="1332854"/>
+            <a:ext cx="10965180" cy="0"/>
+          </a:xfrm>
+          <a:prstGeom prst="line">
+            <a:avLst/>
+          </a:prstGeom>
+          <a:ln w="12700">
+            <a:solidFill>
+              <a:srgbClr val="C41A1A"/>
+            </a:solidFill>
+          </a:ln>
+        </p:spPr>
+        <p:style>
+          <a:lnRef idx="1">
+            <a:schemeClr val="accent1"/>
+          </a:lnRef>
+          <a:fillRef idx="0">
+            <a:schemeClr val="accent1"/>
+          </a:fillRef>
+          <a:effectRef idx="0">
+            <a:schemeClr val="accent1"/>
+          </a:effectRef>
+          <a:fontRef idx="minor">
+            <a:schemeClr val="tx1"/>
+          </a:fontRef>
+        </p:style>
+      </p:cxnSp>
+      <p:sp>
+        <p:nvSpPr>
+          <p:cNvPr id="12" name="ZoneTexte 11"/>
+          <p:cNvSpPr txBox="1"/>
+          <p:nvPr/>
+        </p:nvSpPr>
+        <p:spPr>
+          <a:xfrm>
+            <a:off x="670560" y="1332854"/>
+            <a:ext cx="10683240" cy="5632311"/>
+          </a:xfrm>
+          <a:prstGeom prst="rect">
+            <a:avLst/>
+          </a:prstGeom>
+          <a:noFill/>
+        </p:spPr>
+        <p:txBody>
+          <a:bodyPr wrap="square" rtlCol="0">
+            <a:spAutoFit/>
+          </a:bodyPr>
+          <a:lstStyle/>
+          <a:p>
+            <a:pPr marL="342900" indent="-342900"/>
+            <a:r>
+              <a:rPr lang="en-US" dirty="0" smtClean="0"/>
+              <a:t>La </a:t>
+            </a:r>
+            <a:r>
+              <a:rPr lang="en-US" dirty="0" err="1" smtClean="0"/>
+              <a:t>méthode</a:t>
+            </a:r>
+            <a:r>
+              <a:rPr lang="en-US" dirty="0" smtClean="0"/>
+              <a:t> des </a:t>
+            </a:r>
+            <a:r>
+              <a:rPr lang="en-US" b="1" dirty="0" smtClean="0">
+                <a:solidFill>
+                  <a:srgbClr val="FF0000"/>
+                </a:solidFill>
+              </a:rPr>
+              <a:t>solutions </a:t>
+            </a:r>
+            <a:r>
+              <a:rPr lang="en-US" b="1" dirty="0" err="1" smtClean="0">
+                <a:solidFill>
+                  <a:srgbClr val="FF0000"/>
+                </a:solidFill>
+              </a:rPr>
+              <a:t>manufacturées</a:t>
+            </a:r>
+            <a:r>
+              <a:rPr lang="en-US" b="1" dirty="0" smtClean="0">
+                <a:solidFill>
+                  <a:srgbClr val="FF0000"/>
+                </a:solidFill>
+              </a:rPr>
+              <a:t> </a:t>
+            </a:r>
+            <a:r>
+              <a:rPr lang="en-US" dirty="0" smtClean="0"/>
+              <a:t>a </a:t>
+            </a:r>
+            <a:r>
+              <a:rPr lang="en-US" dirty="0" err="1" smtClean="0"/>
+              <a:t>été</a:t>
+            </a:r>
+            <a:r>
+              <a:rPr lang="en-US" dirty="0" smtClean="0"/>
+              <a:t> plus simple à </a:t>
+            </a:r>
+            <a:r>
+              <a:rPr lang="en-US" dirty="0" err="1" smtClean="0"/>
+              <a:t>appliquer</a:t>
+            </a:r>
+            <a:r>
+              <a:rPr lang="en-US" dirty="0" smtClean="0"/>
+              <a:t> </a:t>
+            </a:r>
+            <a:r>
+              <a:rPr lang="en-US" dirty="0" smtClean="0"/>
+              <a:t>pour les raisons </a:t>
+            </a:r>
+            <a:r>
+              <a:rPr lang="en-US" dirty="0" err="1" smtClean="0"/>
+              <a:t>suivantes</a:t>
+            </a:r>
+            <a:r>
+              <a:rPr lang="en-US" dirty="0" smtClean="0"/>
+              <a:t>:</a:t>
+            </a:r>
+          </a:p>
+          <a:p>
+            <a:pPr marL="342900" indent="-342900"/>
+            <a:endParaRPr lang="en-US" dirty="0" smtClean="0"/>
+          </a:p>
+          <a:p>
+            <a:pPr marL="342900" indent="-342900">
+              <a:buFont typeface="Arial" pitchFamily="34" charset="0"/>
+              <a:buChar char="•"/>
+            </a:pPr>
+            <a:r>
+              <a:rPr lang="en-US" dirty="0" err="1" smtClean="0"/>
+              <a:t>Tr</a:t>
+            </a:r>
+            <a:r>
+              <a:rPr lang="fr-CA" dirty="0" smtClean="0"/>
+              <a:t>ès grand éventail </a:t>
+            </a:r>
+            <a:r>
+              <a:rPr lang="en-US" dirty="0" smtClean="0"/>
+              <a:t>de solutions </a:t>
+            </a:r>
+            <a:r>
+              <a:rPr lang="en-US" dirty="0" err="1" smtClean="0"/>
+              <a:t>possibles</a:t>
+            </a:r>
+            <a:r>
+              <a:rPr lang="en-US" dirty="0" smtClean="0"/>
+              <a:t>.</a:t>
+            </a:r>
+            <a:endParaRPr lang="en-US" dirty="0" smtClean="0"/>
+          </a:p>
+          <a:p>
+            <a:pPr marL="342900" indent="-342900">
+              <a:buFont typeface="Arial" pitchFamily="34" charset="0"/>
+              <a:buChar char="•"/>
+            </a:pPr>
+            <a:r>
+              <a:rPr lang="fr-CA" dirty="0" smtClean="0"/>
+              <a:t>Permet d’obtenir une solution analytique.</a:t>
+            </a:r>
+          </a:p>
+          <a:p>
+            <a:pPr marL="342900" indent="-342900">
+              <a:buFont typeface="Arial" pitchFamily="34" charset="0"/>
+              <a:buChar char="•"/>
+            </a:pPr>
+            <a:r>
+              <a:rPr lang="fr-CA" dirty="0" smtClean="0"/>
+              <a:t>Permet l’obtention d’une solution stationnaire.</a:t>
+            </a:r>
+          </a:p>
+          <a:p>
+            <a:pPr marL="342900" indent="-342900">
+              <a:buFont typeface="Arial" pitchFamily="34" charset="0"/>
+              <a:buChar char="•"/>
+            </a:pPr>
+            <a:r>
+              <a:rPr lang="fr-CA" dirty="0" smtClean="0"/>
+              <a:t>Ne requiert </a:t>
+            </a:r>
+            <a:r>
+              <a:rPr lang="fr-CA" dirty="0" err="1" smtClean="0"/>
+              <a:t>nil’utilisation</a:t>
+            </a:r>
+            <a:r>
+              <a:rPr lang="fr-CA" dirty="0" smtClean="0"/>
+              <a:t> ni la connaissance d’un autre logiciel permettant d’effectuer les même calculs.</a:t>
+            </a:r>
+          </a:p>
+          <a:p>
+            <a:pPr marL="342900" indent="-342900">
+              <a:buFont typeface="Arial" pitchFamily="34" charset="0"/>
+              <a:buChar char="•"/>
+            </a:pPr>
+            <a:endParaRPr lang="fr-CA" dirty="0" smtClean="0"/>
+          </a:p>
+          <a:p>
+            <a:pPr marL="342900" indent="-342900"/>
+            <a:endParaRPr lang="fr-CA" dirty="0" smtClean="0"/>
+          </a:p>
+          <a:p>
+            <a:pPr indent="-342900"/>
+            <a:r>
+              <a:rPr lang="fr-CA" dirty="0" smtClean="0"/>
+              <a:t>La comparaison </a:t>
+            </a:r>
+            <a:r>
+              <a:rPr lang="fr-CA" b="1" dirty="0" smtClean="0">
+                <a:solidFill>
+                  <a:srgbClr val="FF0000"/>
+                </a:solidFill>
+              </a:rPr>
+              <a:t>code à code </a:t>
+            </a:r>
+            <a:r>
+              <a:rPr lang="fr-CA" dirty="0" smtClean="0"/>
+              <a:t>est intéressante, car elle permet l’obtention de la </a:t>
+            </a:r>
+            <a:r>
+              <a:rPr lang="fr-CA" b="1" dirty="0" smtClean="0"/>
+              <a:t>solution réelle </a:t>
+            </a:r>
+            <a:r>
+              <a:rPr lang="fr-CA" dirty="0" smtClean="0"/>
+              <a:t>du problème et ne nécessite pas la modification du code par l’ajout d’un terme source comme le requiert la MMS. Toutefois, cette approche comporte plusieurs </a:t>
+            </a:r>
+            <a:r>
+              <a:rPr lang="fr-CA" b="1" dirty="0" smtClean="0"/>
+              <a:t>désavantages</a:t>
+            </a:r>
+            <a:r>
+              <a:rPr lang="fr-CA" dirty="0" smtClean="0"/>
+              <a:t>:</a:t>
+            </a:r>
+          </a:p>
+          <a:p>
+            <a:pPr indent="-342900"/>
+            <a:endParaRPr lang="fr-CA" dirty="0" smtClean="0"/>
+          </a:p>
+          <a:p>
+            <a:pPr lvl="1" indent="-342900">
+              <a:buFont typeface="Arial" pitchFamily="34" charset="0"/>
+              <a:buChar char="•"/>
+            </a:pPr>
+            <a:r>
+              <a:rPr lang="fr-CA" dirty="0" smtClean="0"/>
+              <a:t>La solution obtenue n’est pas nécessairement exacte, car elle peut aussi contenir des erreurs de discrétisation, troncature, représentation des nombres, itératives, etc.</a:t>
+            </a:r>
+          </a:p>
+          <a:p>
+            <a:pPr lvl="1" indent="-342900">
+              <a:buFont typeface="Arial" pitchFamily="34" charset="0"/>
+              <a:buChar char="•"/>
+            </a:pPr>
+            <a:r>
+              <a:rPr lang="fr-CA" dirty="0" smtClean="0"/>
+              <a:t>On obtient de meilleurs résultats si le code de référence implémente aussi les mêmes méthodes numériques, mais il n’est pas toujours possible de confirmer que c’est le cas.</a:t>
+            </a:r>
+          </a:p>
+          <a:p>
+            <a:pPr lvl="1" indent="-342900">
+              <a:buFont typeface="Arial" pitchFamily="34" charset="0"/>
+              <a:buChar char="•"/>
+            </a:pPr>
+            <a:r>
+              <a:rPr lang="fr-CA" dirty="0" smtClean="0"/>
+              <a:t>En cas de disparité des résultats, il est possible, quoique moins probable, que les erreurs proviennent du code de référence.</a:t>
+            </a:r>
+          </a:p>
+          <a:p>
+            <a:pPr indent="-342900">
+              <a:buFont typeface="Arial" pitchFamily="34" charset="0"/>
+              <a:buChar char="•"/>
+            </a:pPr>
+            <a:endParaRPr lang="fr-CA" dirty="0" smtClean="0"/>
+          </a:p>
+          <a:p>
+            <a:pPr indent="-342900">
+              <a:buFont typeface="Arial" pitchFamily="34" charset="0"/>
+              <a:buChar char="•"/>
+            </a:pPr>
+            <a:endParaRPr lang="en-US" dirty="0"/>
+          </a:p>
+        </p:txBody>
+      </p:sp>
     </p:spTree>
   </p:cSld>
   <p:clrMapOvr>
